--- a/Presentación1.pptx
+++ b/Presentación1.pptx
@@ -16,6 +16,7 @@
     <p:sldId id="263" r:id="rId10"/>
     <p:sldId id="264" r:id="rId11"/>
     <p:sldId id="266" r:id="rId12"/>
+    <p:sldId id="269" r:id="rId13"/>
   </p:sldIdLst>
   <p:sldSz cx="12192000" cy="6858000"/>
   <p:notesSz cx="6858000" cy="9144000"/>
@@ -1281,7 +1282,7 @@
           <a:p>
             <a:fld id="{72A38BBE-0649-4679-958E-2ADCCF2D44C4}" type="datetimeFigureOut">
               <a:rPr lang="es-VE" smtClean="0"/>
-              <a:t>14/1/2023</a:t>
+              <a:t>5/2/2023</a:t>
             </a:fld>
             <a:endParaRPr lang="es-VE"/>
           </a:p>
@@ -1481,7 +1482,7 @@
           <a:p>
             <a:fld id="{72A38BBE-0649-4679-958E-2ADCCF2D44C4}" type="datetimeFigureOut">
               <a:rPr lang="es-VE" smtClean="0"/>
-              <a:t>14/1/2023</a:t>
+              <a:t>5/2/2023</a:t>
             </a:fld>
             <a:endParaRPr lang="es-VE"/>
           </a:p>
@@ -1691,7 +1692,7 @@
           <a:p>
             <a:fld id="{72A38BBE-0649-4679-958E-2ADCCF2D44C4}" type="datetimeFigureOut">
               <a:rPr lang="es-VE" smtClean="0"/>
-              <a:t>14/1/2023</a:t>
+              <a:t>5/2/2023</a:t>
             </a:fld>
             <a:endParaRPr lang="es-VE"/>
           </a:p>
@@ -1891,7 +1892,7 @@
           <a:p>
             <a:fld id="{72A38BBE-0649-4679-958E-2ADCCF2D44C4}" type="datetimeFigureOut">
               <a:rPr lang="es-VE" smtClean="0"/>
-              <a:t>14/1/2023</a:t>
+              <a:t>5/2/2023</a:t>
             </a:fld>
             <a:endParaRPr lang="es-VE"/>
           </a:p>
@@ -2167,7 +2168,7 @@
           <a:p>
             <a:fld id="{72A38BBE-0649-4679-958E-2ADCCF2D44C4}" type="datetimeFigureOut">
               <a:rPr lang="es-VE" smtClean="0"/>
-              <a:t>14/1/2023</a:t>
+              <a:t>5/2/2023</a:t>
             </a:fld>
             <a:endParaRPr lang="es-VE"/>
           </a:p>
@@ -2435,7 +2436,7 @@
           <a:p>
             <a:fld id="{72A38BBE-0649-4679-958E-2ADCCF2D44C4}" type="datetimeFigureOut">
               <a:rPr lang="es-VE" smtClean="0"/>
-              <a:t>14/1/2023</a:t>
+              <a:t>5/2/2023</a:t>
             </a:fld>
             <a:endParaRPr lang="es-VE"/>
           </a:p>
@@ -2850,7 +2851,7 @@
           <a:p>
             <a:fld id="{72A38BBE-0649-4679-958E-2ADCCF2D44C4}" type="datetimeFigureOut">
               <a:rPr lang="es-VE" smtClean="0"/>
-              <a:t>14/1/2023</a:t>
+              <a:t>5/2/2023</a:t>
             </a:fld>
             <a:endParaRPr lang="es-VE"/>
           </a:p>
@@ -2992,7 +2993,7 @@
           <a:p>
             <a:fld id="{72A38BBE-0649-4679-958E-2ADCCF2D44C4}" type="datetimeFigureOut">
               <a:rPr lang="es-VE" smtClean="0"/>
-              <a:t>14/1/2023</a:t>
+              <a:t>5/2/2023</a:t>
             </a:fld>
             <a:endParaRPr lang="es-VE"/>
           </a:p>
@@ -3105,7 +3106,7 @@
           <a:p>
             <a:fld id="{72A38BBE-0649-4679-958E-2ADCCF2D44C4}" type="datetimeFigureOut">
               <a:rPr lang="es-VE" smtClean="0"/>
-              <a:t>14/1/2023</a:t>
+              <a:t>5/2/2023</a:t>
             </a:fld>
             <a:endParaRPr lang="es-VE"/>
           </a:p>
@@ -3418,7 +3419,7 @@
           <a:p>
             <a:fld id="{72A38BBE-0649-4679-958E-2ADCCF2D44C4}" type="datetimeFigureOut">
               <a:rPr lang="es-VE" smtClean="0"/>
-              <a:t>14/1/2023</a:t>
+              <a:t>5/2/2023</a:t>
             </a:fld>
             <a:endParaRPr lang="es-VE"/>
           </a:p>
@@ -3707,7 +3708,7 @@
           <a:p>
             <a:fld id="{72A38BBE-0649-4679-958E-2ADCCF2D44C4}" type="datetimeFigureOut">
               <a:rPr lang="es-VE" smtClean="0"/>
-              <a:t>14/1/2023</a:t>
+              <a:t>5/2/2023</a:t>
             </a:fld>
             <a:endParaRPr lang="es-VE"/>
           </a:p>
@@ -3950,7 +3951,7 @@
           <a:p>
             <a:fld id="{72A38BBE-0649-4679-958E-2ADCCF2D44C4}" type="datetimeFigureOut">
               <a:rPr lang="es-VE" smtClean="0"/>
-              <a:t>14/1/2023</a:t>
+              <a:t>5/2/2023</a:t>
             </a:fld>
             <a:endParaRPr lang="es-VE"/>
           </a:p>
@@ -4476,16 +4477,8 @@
             <a:pPr algn="ctr"/>
             <a:r>
               <a:rPr lang="es-ES" dirty="0"/>
-              <a:t>Pedidos</a:t>
-            </a:r>
-          </a:p>
-          <a:p>
-            <a:pPr algn="ctr"/>
-            <a:r>
-              <a:rPr lang="es-ES" dirty="0" err="1"/>
               <a:t>Delivery</a:t>
             </a:r>
-            <a:endParaRPr lang="es-ES" dirty="0"/>
           </a:p>
           <a:p>
             <a:pPr algn="ctr"/>
@@ -4827,8 +4820,8 @@
         </p:nvSpPr>
         <p:spPr>
           <a:xfrm>
-            <a:off x="3268825" y="2957672"/>
-            <a:ext cx="2671681" cy="780881"/>
+            <a:off x="3268825" y="2957673"/>
+            <a:ext cx="1949625" cy="577146"/>
           </a:xfrm>
           <a:prstGeom prst="ellipse">
             <a:avLst/>
@@ -4855,7 +4848,7 @@
             <a:pPr algn="ctr"/>
             <a:r>
               <a:rPr lang="es-ES" dirty="0"/>
-              <a:t>Pedidos/Ordenes</a:t>
+              <a:t>Ordenes</a:t>
             </a:r>
             <a:endParaRPr lang="es-VE" dirty="0"/>
           </a:p>
@@ -4875,8 +4868,8 @@
         </p:nvSpPr>
         <p:spPr>
           <a:xfrm>
-            <a:off x="3480739" y="4546674"/>
-            <a:ext cx="1780674" cy="644271"/>
+            <a:off x="3194849" y="4664166"/>
+            <a:ext cx="2510430" cy="526779"/>
           </a:xfrm>
           <a:prstGeom prst="ellipse">
             <a:avLst/>
@@ -4902,8 +4895,8 @@
           <a:p>
             <a:pPr algn="ctr"/>
             <a:r>
-              <a:rPr lang="es-ES" dirty="0" err="1"/>
-              <a:t>delivery</a:t>
+              <a:rPr lang="es-ES" dirty="0"/>
+              <a:t>Delivery</a:t>
             </a:r>
             <a:endParaRPr lang="es-VE" dirty="0"/>
           </a:p>
@@ -4970,8 +4963,8 @@
         </p:nvCxnSpPr>
         <p:spPr>
           <a:xfrm flipV="1">
-            <a:off x="3032851" y="3348113"/>
-            <a:ext cx="235974" cy="288853"/>
+            <a:off x="3032851" y="3246246"/>
+            <a:ext cx="235974" cy="390720"/>
           </a:xfrm>
           <a:prstGeom prst="straightConnector1">
             <a:avLst/>
@@ -4995,54 +4988,6 @@
           </a:fontRef>
         </p:style>
       </p:cxnSp>
-      <p:sp>
-        <p:nvSpPr>
-          <p:cNvPr id="106" name="Elipse 105">
-            <a:extLst>
-              <a:ext uri="{FF2B5EF4-FFF2-40B4-BE49-F238E27FC236}">
-                <a16:creationId xmlns:a16="http://schemas.microsoft.com/office/drawing/2014/main" id="{A7D79A5D-9603-4E26-873D-F1F573468A46}"/>
-              </a:ext>
-            </a:extLst>
-          </p:cNvPr>
-          <p:cNvSpPr/>
-          <p:nvPr/>
-        </p:nvSpPr>
-        <p:spPr>
-          <a:xfrm>
-            <a:off x="8404057" y="1950492"/>
-            <a:ext cx="2665613" cy="1007634"/>
-          </a:xfrm>
-          <a:prstGeom prst="ellipse">
-            <a:avLst/>
-          </a:prstGeom>
-        </p:spPr>
-        <p:style>
-          <a:lnRef idx="2">
-            <a:schemeClr val="dk1"/>
-          </a:lnRef>
-          <a:fillRef idx="1">
-            <a:schemeClr val="lt1"/>
-          </a:fillRef>
-          <a:effectRef idx="0">
-            <a:schemeClr val="dk1"/>
-          </a:effectRef>
-          <a:fontRef idx="minor">
-            <a:schemeClr val="dk1"/>
-          </a:fontRef>
-        </p:style>
-        <p:txBody>
-          <a:bodyPr rtlCol="0" anchor="ctr"/>
-          <a:lstStyle/>
-          <a:p>
-            <a:pPr algn="ctr"/>
-            <a:r>
-              <a:rPr lang="es-ES" dirty="0"/>
-              <a:t>Lista de pedidos a Proveedores</a:t>
-            </a:r>
-            <a:endParaRPr lang="es-VE" dirty="0"/>
-          </a:p>
-        </p:txBody>
-      </p:sp>
       <p:cxnSp>
         <p:nvCxnSpPr>
           <p:cNvPr id="111" name="Conector recto de flecha 110">
@@ -5061,8 +5006,8 @@
         </p:nvCxnSpPr>
         <p:spPr>
           <a:xfrm flipV="1">
-            <a:off x="2753062" y="4868810"/>
-            <a:ext cx="727677" cy="264077"/>
+            <a:off x="2753062" y="4927556"/>
+            <a:ext cx="441787" cy="205331"/>
           </a:xfrm>
           <a:prstGeom prst="straightConnector1">
             <a:avLst/>
@@ -5100,8 +5045,8 @@
         </p:nvSpPr>
         <p:spPr>
           <a:xfrm>
-            <a:off x="6092517" y="4639606"/>
-            <a:ext cx="3876558" cy="796745"/>
+            <a:off x="8679632" y="4870054"/>
+            <a:ext cx="2799692" cy="796745"/>
           </a:xfrm>
           <a:prstGeom prst="ellipse">
             <a:avLst/>
@@ -5128,7 +5073,7 @@
             <a:pPr algn="ctr"/>
             <a:r>
               <a:rPr lang="es-ES" dirty="0"/>
-              <a:t>Mostrar lista con clientes, nombre, dirección, fecha…</a:t>
+              <a:t>Cliente, cedula, dirección, fecha</a:t>
             </a:r>
             <a:endParaRPr lang="es-VE" dirty="0"/>
           </a:p>
@@ -5152,8 +5097,8 @@
         </p:nvCxnSpPr>
         <p:spPr>
           <a:xfrm>
-            <a:off x="5261413" y="4868810"/>
-            <a:ext cx="831104" cy="169169"/>
+            <a:off x="5705279" y="4927556"/>
+            <a:ext cx="2974353" cy="340871"/>
           </a:xfrm>
           <a:prstGeom prst="straightConnector1">
             <a:avLst/>
@@ -5281,8 +5226,8 @@
         </p:nvSpPr>
         <p:spPr>
           <a:xfrm>
-            <a:off x="5705278" y="5645089"/>
-            <a:ext cx="2349267" cy="644271"/>
+            <a:off x="5585796" y="5355656"/>
+            <a:ext cx="2788949" cy="934194"/>
           </a:xfrm>
           <a:prstGeom prst="ellipse">
             <a:avLst/>
@@ -5309,7 +5254,7 @@
             <a:pPr algn="ctr"/>
             <a:r>
               <a:rPr lang="es-ES" dirty="0"/>
-              <a:t>Modificar claves, Accesos</a:t>
+              <a:t>Crear, Modifica, Eliminar Usuarios, password, roles</a:t>
             </a:r>
             <a:endParaRPr lang="es-VE" dirty="0"/>
           </a:p>
@@ -5332,9 +5277,9 @@
           <p:nvPr/>
         </p:nvCxnSpPr>
         <p:spPr>
-          <a:xfrm>
-            <a:off x="4975522" y="5668447"/>
-            <a:ext cx="1073798" cy="70993"/>
+          <a:xfrm flipV="1">
+            <a:off x="4975522" y="5492466"/>
+            <a:ext cx="1018706" cy="175981"/>
           </a:xfrm>
           <a:prstGeom prst="straightConnector1">
             <a:avLst/>
@@ -5463,7 +5408,7 @@
         </p:nvSpPr>
         <p:spPr>
           <a:xfrm>
-            <a:off x="5420912" y="1310669"/>
+            <a:off x="5332543" y="1216787"/>
             <a:ext cx="2448953" cy="572793"/>
           </a:xfrm>
           <a:prstGeom prst="ellipse">
@@ -5491,7 +5436,7 @@
             <a:pPr algn="ctr"/>
             <a:r>
               <a:rPr lang="es-ES" sz="1400" dirty="0"/>
-              <a:t>Reportes, facturas, pagos proveedores</a:t>
+              <a:t>Facturas de Compras a proveedores</a:t>
             </a:r>
             <a:endParaRPr lang="es-VE" sz="1400" dirty="0"/>
           </a:p>
@@ -5605,8 +5550,8 @@
         </p:nvCxnSpPr>
         <p:spPr>
           <a:xfrm flipV="1">
-            <a:off x="5111219" y="1597066"/>
-            <a:ext cx="309693" cy="214702"/>
+            <a:off x="5111219" y="1503184"/>
+            <a:ext cx="221324" cy="308584"/>
           </a:xfrm>
           <a:prstGeom prst="straightConnector1">
             <a:avLst/>
@@ -5644,7 +5589,7 @@
         </p:nvSpPr>
         <p:spPr>
           <a:xfrm>
-            <a:off x="5623375" y="2167734"/>
+            <a:off x="5498384" y="1931635"/>
             <a:ext cx="2181727" cy="572793"/>
           </a:xfrm>
           <a:prstGeom prst="ellipse">
@@ -5672,7 +5617,7 @@
             <a:pPr algn="ctr"/>
             <a:r>
               <a:rPr lang="es-ES" sz="1400" dirty="0"/>
-              <a:t>Reportes, facturas, clientes</a:t>
+              <a:t>Facturas de Ventas a Clientes</a:t>
             </a:r>
             <a:endParaRPr lang="es-VE" sz="1400" dirty="0"/>
           </a:p>
@@ -5696,8 +5641,8 @@
         </p:nvCxnSpPr>
         <p:spPr>
           <a:xfrm flipV="1">
-            <a:off x="5218450" y="2454131"/>
-            <a:ext cx="404925" cy="122334"/>
+            <a:off x="5218450" y="2218032"/>
+            <a:ext cx="279934" cy="358433"/>
           </a:xfrm>
           <a:prstGeom prst="straightConnector1">
             <a:avLst/>
@@ -5739,8 +5684,8 @@
         </p:nvCxnSpPr>
         <p:spPr>
           <a:xfrm flipV="1">
-            <a:off x="5940506" y="3184238"/>
-            <a:ext cx="390622" cy="163875"/>
+            <a:off x="5218450" y="3184238"/>
+            <a:ext cx="551371" cy="62008"/>
           </a:xfrm>
           <a:prstGeom prst="straightConnector1">
             <a:avLst/>
@@ -5766,10 +5711,10 @@
       </p:cxnSp>
       <p:sp>
         <p:nvSpPr>
-          <p:cNvPr id="278" name="Elipse 277">
-            <a:extLst>
-              <a:ext uri="{FF2B5EF4-FFF2-40B4-BE49-F238E27FC236}">
-                <a16:creationId xmlns:a16="http://schemas.microsoft.com/office/drawing/2014/main" id="{6A9B00B5-7A94-4900-9912-291B0FB47BDC}"/>
+          <p:cNvPr id="279" name="Elipse 278">
+            <a:extLst>
+              <a:ext uri="{FF2B5EF4-FFF2-40B4-BE49-F238E27FC236}">
+                <a16:creationId xmlns:a16="http://schemas.microsoft.com/office/drawing/2014/main" id="{EB05B77C-2EED-4880-85A1-8175CC756617}"/>
               </a:ext>
             </a:extLst>
           </p:cNvPr>
@@ -5778,8 +5723,8 @@
         </p:nvSpPr>
         <p:spPr>
           <a:xfrm>
-            <a:off x="8425254" y="3094282"/>
-            <a:ext cx="3087641" cy="915293"/>
+            <a:off x="5769821" y="2906064"/>
+            <a:ext cx="2330100" cy="556347"/>
           </a:xfrm>
           <a:prstGeom prst="ellipse">
             <a:avLst/>
@@ -5806,18 +5751,60 @@
             <a:pPr algn="ctr"/>
             <a:r>
               <a:rPr lang="es-ES" dirty="0"/>
-              <a:t>Lista De ordenes “Clientes”</a:t>
+              <a:t>Resumen De Ordenes</a:t>
             </a:r>
             <a:endParaRPr lang="es-VE" dirty="0"/>
           </a:p>
         </p:txBody>
       </p:sp>
-      <p:sp>
-        <p:nvSpPr>
-          <p:cNvPr id="279" name="Elipse 278">
-            <a:extLst>
-              <a:ext uri="{FF2B5EF4-FFF2-40B4-BE49-F238E27FC236}">
-                <a16:creationId xmlns:a16="http://schemas.microsoft.com/office/drawing/2014/main" id="{EB05B77C-2EED-4880-85A1-8175CC756617}"/>
+      <p:cxnSp>
+        <p:nvCxnSpPr>
+          <p:cNvPr id="286" name="Conector recto de flecha 285">
+            <a:extLst>
+              <a:ext uri="{FF2B5EF4-FFF2-40B4-BE49-F238E27FC236}">
+                <a16:creationId xmlns:a16="http://schemas.microsoft.com/office/drawing/2014/main" id="{24D63A5D-D5BF-4B32-8FFF-4B091F8BB5C5}"/>
+              </a:ext>
+            </a:extLst>
+          </p:cNvPr>
+          <p:cNvCxnSpPr>
+            <a:cxnSpLocks/>
+            <a:endCxn id="47" idx="4"/>
+          </p:cNvCxnSpPr>
+          <p:nvPr/>
+        </p:nvCxnSpPr>
+        <p:spPr>
+          <a:xfrm flipV="1">
+            <a:off x="8087532" y="3002446"/>
+            <a:ext cx="1309596" cy="212134"/>
+          </a:xfrm>
+          <a:prstGeom prst="straightConnector1">
+            <a:avLst/>
+          </a:prstGeom>
+          <a:ln>
+            <a:tailEnd type="triangle"/>
+          </a:ln>
+        </p:spPr>
+        <p:style>
+          <a:lnRef idx="1">
+            <a:schemeClr val="dk1"/>
+          </a:lnRef>
+          <a:fillRef idx="0">
+            <a:schemeClr val="dk1"/>
+          </a:fillRef>
+          <a:effectRef idx="0">
+            <a:schemeClr val="dk1"/>
+          </a:effectRef>
+          <a:fontRef idx="minor">
+            <a:schemeClr val="tx1"/>
+          </a:fontRef>
+        </p:style>
+      </p:cxnSp>
+      <p:sp>
+        <p:nvSpPr>
+          <p:cNvPr id="50" name="Elipse 49">
+            <a:extLst>
+              <a:ext uri="{FF2B5EF4-FFF2-40B4-BE49-F238E27FC236}">
+                <a16:creationId xmlns:a16="http://schemas.microsoft.com/office/drawing/2014/main" id="{95E93CA6-0D48-4718-B2A5-F5C28CB11CC4}"/>
               </a:ext>
             </a:extLst>
           </p:cNvPr>
@@ -5826,8 +5813,8 @@
         </p:nvSpPr>
         <p:spPr>
           <a:xfrm>
-            <a:off x="6331128" y="2906064"/>
-            <a:ext cx="1780675" cy="556347"/>
+            <a:off x="3499735" y="3822421"/>
+            <a:ext cx="1780674" cy="644271"/>
           </a:xfrm>
           <a:prstGeom prst="ellipse">
             <a:avLst/>
@@ -5854,7 +5841,7 @@
             <a:pPr algn="ctr"/>
             <a:r>
               <a:rPr lang="es-ES" dirty="0"/>
-              <a:t>Resumen De Pedidos</a:t>
+              <a:t>Menú</a:t>
             </a:r>
             <a:endParaRPr lang="es-VE" dirty="0"/>
           </a:p>
@@ -5862,24 +5849,307 @@
       </p:sp>
       <p:cxnSp>
         <p:nvCxnSpPr>
-          <p:cNvPr id="286" name="Conector recto de flecha 285">
-            <a:extLst>
-              <a:ext uri="{FF2B5EF4-FFF2-40B4-BE49-F238E27FC236}">
-                <a16:creationId xmlns:a16="http://schemas.microsoft.com/office/drawing/2014/main" id="{24D63A5D-D5BF-4B32-8FFF-4B091F8BB5C5}"/>
+          <p:cNvPr id="28" name="Conector recto de flecha 27">
+            <a:extLst>
+              <a:ext uri="{FF2B5EF4-FFF2-40B4-BE49-F238E27FC236}">
+                <a16:creationId xmlns:a16="http://schemas.microsoft.com/office/drawing/2014/main" id="{A170BA00-D1C4-4177-80EF-7B8514F201DE}"/>
               </a:ext>
             </a:extLst>
           </p:cNvPr>
           <p:cNvCxnSpPr>
             <a:cxnSpLocks/>
-            <a:stCxn id="279" idx="7"/>
-            <a:endCxn id="106" idx="2"/>
+            <a:endCxn id="50" idx="2"/>
           </p:cNvCxnSpPr>
           <p:nvPr/>
         </p:nvCxnSpPr>
         <p:spPr>
+          <a:xfrm>
+            <a:off x="3002830" y="4129020"/>
+            <a:ext cx="496905" cy="15537"/>
+          </a:xfrm>
+          <a:prstGeom prst="straightConnector1">
+            <a:avLst/>
+          </a:prstGeom>
+          <a:ln>
+            <a:tailEnd type="triangle"/>
+          </a:ln>
+        </p:spPr>
+        <p:style>
+          <a:lnRef idx="1">
+            <a:schemeClr val="dk1"/>
+          </a:lnRef>
+          <a:fillRef idx="0">
+            <a:schemeClr val="dk1"/>
+          </a:fillRef>
+          <a:effectRef idx="0">
+            <a:schemeClr val="dk1"/>
+          </a:effectRef>
+          <a:fontRef idx="minor">
+            <a:schemeClr val="tx1"/>
+          </a:fontRef>
+        </p:style>
+      </p:cxnSp>
+      <p:sp>
+        <p:nvSpPr>
+          <p:cNvPr id="58" name="Elipse 57">
+            <a:extLst>
+              <a:ext uri="{FF2B5EF4-FFF2-40B4-BE49-F238E27FC236}">
+                <a16:creationId xmlns:a16="http://schemas.microsoft.com/office/drawing/2014/main" id="{783D5526-D2DC-4C97-A81F-7F6B7859DE1C}"/>
+              </a:ext>
+            </a:extLst>
+          </p:cNvPr>
+          <p:cNvSpPr/>
+          <p:nvPr/>
+        </p:nvSpPr>
+        <p:spPr>
+          <a:xfrm>
+            <a:off x="5823901" y="3791348"/>
+            <a:ext cx="1780674" cy="644271"/>
+          </a:xfrm>
+          <a:prstGeom prst="ellipse">
+            <a:avLst/>
+          </a:prstGeom>
+        </p:spPr>
+        <p:style>
+          <a:lnRef idx="2">
+            <a:schemeClr val="dk1"/>
+          </a:lnRef>
+          <a:fillRef idx="1">
+            <a:schemeClr val="lt1"/>
+          </a:fillRef>
+          <a:effectRef idx="0">
+            <a:schemeClr val="dk1"/>
+          </a:effectRef>
+          <a:fontRef idx="minor">
+            <a:schemeClr val="dk1"/>
+          </a:fontRef>
+        </p:style>
+        <p:txBody>
+          <a:bodyPr rtlCol="0" anchor="ctr"/>
+          <a:lstStyle/>
+          <a:p>
+            <a:pPr algn="ctr"/>
+            <a:r>
+              <a:rPr lang="es-ES" dirty="0"/>
+              <a:t>Lista del menú</a:t>
+            </a:r>
+            <a:endParaRPr lang="es-VE" dirty="0"/>
+          </a:p>
+        </p:txBody>
+      </p:sp>
+      <p:cxnSp>
+        <p:nvCxnSpPr>
+          <p:cNvPr id="30" name="Conector recto de flecha 29">
+            <a:extLst>
+              <a:ext uri="{FF2B5EF4-FFF2-40B4-BE49-F238E27FC236}">
+                <a16:creationId xmlns:a16="http://schemas.microsoft.com/office/drawing/2014/main" id="{B6F6A719-7F02-474E-BDBB-68FBD796B0C9}"/>
+              </a:ext>
+            </a:extLst>
+          </p:cNvPr>
+          <p:cNvCxnSpPr>
+            <a:stCxn id="50" idx="6"/>
+            <a:endCxn id="58" idx="2"/>
+          </p:cNvCxnSpPr>
+          <p:nvPr/>
+        </p:nvCxnSpPr>
+        <p:spPr>
           <a:xfrm flipV="1">
-            <a:off x="7851029" y="2454309"/>
-            <a:ext cx="553028" cy="533230"/>
+            <a:off x="5280409" y="4113484"/>
+            <a:ext cx="543492" cy="31073"/>
+          </a:xfrm>
+          <a:prstGeom prst="straightConnector1">
+            <a:avLst/>
+          </a:prstGeom>
+          <a:ln>
+            <a:tailEnd type="triangle"/>
+          </a:ln>
+        </p:spPr>
+        <p:style>
+          <a:lnRef idx="1">
+            <a:schemeClr val="dk1"/>
+          </a:lnRef>
+          <a:fillRef idx="0">
+            <a:schemeClr val="dk1"/>
+          </a:fillRef>
+          <a:effectRef idx="0">
+            <a:schemeClr val="dk1"/>
+          </a:effectRef>
+          <a:fontRef idx="minor">
+            <a:schemeClr val="tx1"/>
+          </a:fontRef>
+        </p:style>
+      </p:cxnSp>
+      <p:sp>
+        <p:nvSpPr>
+          <p:cNvPr id="47" name="Elipse 46">
+            <a:extLst>
+              <a:ext uri="{FF2B5EF4-FFF2-40B4-BE49-F238E27FC236}">
+                <a16:creationId xmlns:a16="http://schemas.microsoft.com/office/drawing/2014/main" id="{FD9EBDD2-29B2-4D63-BEDF-E2A197C73AD7}"/>
+              </a:ext>
+            </a:extLst>
+          </p:cNvPr>
+          <p:cNvSpPr/>
+          <p:nvPr/>
+        </p:nvSpPr>
+        <p:spPr>
+          <a:xfrm>
+            <a:off x="8506791" y="2335436"/>
+            <a:ext cx="1780674" cy="667010"/>
+          </a:xfrm>
+          <a:prstGeom prst="ellipse">
+            <a:avLst/>
+          </a:prstGeom>
+        </p:spPr>
+        <p:style>
+          <a:lnRef idx="2">
+            <a:schemeClr val="dk1"/>
+          </a:lnRef>
+          <a:fillRef idx="1">
+            <a:schemeClr val="lt1"/>
+          </a:fillRef>
+          <a:effectRef idx="0">
+            <a:schemeClr val="dk1"/>
+          </a:effectRef>
+          <a:fontRef idx="minor">
+            <a:schemeClr val="dk1"/>
+          </a:fontRef>
+        </p:style>
+        <p:txBody>
+          <a:bodyPr rtlCol="0" anchor="ctr"/>
+          <a:lstStyle/>
+          <a:p>
+            <a:pPr algn="ctr"/>
+            <a:r>
+              <a:rPr lang="es-ES" dirty="0">
+                <a:solidFill>
+                  <a:schemeClr val="tx1"/>
+                </a:solidFill>
+              </a:rPr>
+              <a:t>Confirmar Entrega</a:t>
+            </a:r>
+            <a:endParaRPr lang="es-VE" dirty="0">
+              <a:solidFill>
+                <a:schemeClr val="tx1"/>
+              </a:solidFill>
+            </a:endParaRPr>
+          </a:p>
+        </p:txBody>
+      </p:sp>
+      <p:sp>
+        <p:nvSpPr>
+          <p:cNvPr id="48" name="Elipse 47">
+            <a:extLst>
+              <a:ext uri="{FF2B5EF4-FFF2-40B4-BE49-F238E27FC236}">
+                <a16:creationId xmlns:a16="http://schemas.microsoft.com/office/drawing/2014/main" id="{3FC0558F-01DD-4F90-AF37-779F97EF62AA}"/>
+              </a:ext>
+            </a:extLst>
+          </p:cNvPr>
+          <p:cNvSpPr/>
+          <p:nvPr/>
+        </p:nvSpPr>
+        <p:spPr>
+          <a:xfrm>
+            <a:off x="7753076" y="3353529"/>
+            <a:ext cx="1780674" cy="644271"/>
+          </a:xfrm>
+          <a:prstGeom prst="ellipse">
+            <a:avLst/>
+          </a:prstGeom>
+        </p:spPr>
+        <p:style>
+          <a:lnRef idx="2">
+            <a:schemeClr val="dk1"/>
+          </a:lnRef>
+          <a:fillRef idx="1">
+            <a:schemeClr val="lt1"/>
+          </a:fillRef>
+          <a:effectRef idx="0">
+            <a:schemeClr val="dk1"/>
+          </a:effectRef>
+          <a:fontRef idx="minor">
+            <a:schemeClr val="dk1"/>
+          </a:fontRef>
+        </p:style>
+        <p:txBody>
+          <a:bodyPr rtlCol="0" anchor="ctr"/>
+          <a:lstStyle/>
+          <a:p>
+            <a:pPr algn="ctr"/>
+            <a:r>
+              <a:rPr lang="es-ES" dirty="0"/>
+              <a:t>Lista de pizzas</a:t>
+            </a:r>
+            <a:endParaRPr lang="es-VE" dirty="0"/>
+          </a:p>
+        </p:txBody>
+      </p:sp>
+      <p:sp>
+        <p:nvSpPr>
+          <p:cNvPr id="49" name="Elipse 48">
+            <a:extLst>
+              <a:ext uri="{FF2B5EF4-FFF2-40B4-BE49-F238E27FC236}">
+                <a16:creationId xmlns:a16="http://schemas.microsoft.com/office/drawing/2014/main" id="{D7DF9E10-B90D-4016-9885-20C0AFB63F6B}"/>
+              </a:ext>
+            </a:extLst>
+          </p:cNvPr>
+          <p:cNvSpPr/>
+          <p:nvPr/>
+        </p:nvSpPr>
+        <p:spPr>
+          <a:xfrm>
+            <a:off x="7685376" y="4214785"/>
+            <a:ext cx="1780674" cy="644271"/>
+          </a:xfrm>
+          <a:prstGeom prst="ellipse">
+            <a:avLst/>
+          </a:prstGeom>
+        </p:spPr>
+        <p:style>
+          <a:lnRef idx="2">
+            <a:schemeClr val="dk1"/>
+          </a:lnRef>
+          <a:fillRef idx="1">
+            <a:schemeClr val="lt1"/>
+          </a:fillRef>
+          <a:effectRef idx="0">
+            <a:schemeClr val="dk1"/>
+          </a:effectRef>
+          <a:fontRef idx="minor">
+            <a:schemeClr val="dk1"/>
+          </a:fontRef>
+        </p:style>
+        <p:txBody>
+          <a:bodyPr rtlCol="0" anchor="ctr"/>
+          <a:lstStyle/>
+          <a:p>
+            <a:pPr algn="ctr"/>
+            <a:r>
+              <a:rPr lang="es-ES" dirty="0"/>
+              <a:t>Lista de Bebidas</a:t>
+            </a:r>
+            <a:endParaRPr lang="es-VE" dirty="0"/>
+          </a:p>
+        </p:txBody>
+      </p:sp>
+      <p:cxnSp>
+        <p:nvCxnSpPr>
+          <p:cNvPr id="18" name="Conector recto de flecha 17">
+            <a:extLst>
+              <a:ext uri="{FF2B5EF4-FFF2-40B4-BE49-F238E27FC236}">
+                <a16:creationId xmlns:a16="http://schemas.microsoft.com/office/drawing/2014/main" id="{88B732A2-9EFA-4857-9D0A-26384D519CEB}"/>
+              </a:ext>
+            </a:extLst>
+          </p:cNvPr>
+          <p:cNvCxnSpPr>
+            <a:stCxn id="58" idx="7"/>
+            <a:endCxn id="48" idx="2"/>
+          </p:cNvCxnSpPr>
+          <p:nvPr/>
+        </p:nvCxnSpPr>
+        <p:spPr>
+          <a:xfrm flipV="1">
+            <a:off x="7343801" y="3675665"/>
+            <a:ext cx="409275" cy="210034"/>
           </a:xfrm>
           <a:prstGeom prst="straightConnector1">
             <a:avLst/>
@@ -5905,204 +6175,23 @@
       </p:cxnSp>
       <p:cxnSp>
         <p:nvCxnSpPr>
-          <p:cNvPr id="289" name="Conector recto de flecha 288">
-            <a:extLst>
-              <a:ext uri="{FF2B5EF4-FFF2-40B4-BE49-F238E27FC236}">
-                <a16:creationId xmlns:a16="http://schemas.microsoft.com/office/drawing/2014/main" id="{9F138867-0840-4253-BFE3-2CFFDB21CA4A}"/>
+          <p:cNvPr id="20" name="Conector recto de flecha 19">
+            <a:extLst>
+              <a:ext uri="{FF2B5EF4-FFF2-40B4-BE49-F238E27FC236}">
+                <a16:creationId xmlns:a16="http://schemas.microsoft.com/office/drawing/2014/main" id="{1BA051C6-7DAA-4AD0-BCBC-EAD325FEBDDF}"/>
               </a:ext>
             </a:extLst>
           </p:cNvPr>
           <p:cNvCxnSpPr>
-            <a:cxnSpLocks/>
-            <a:stCxn id="279" idx="5"/>
-            <a:endCxn id="278" idx="2"/>
+            <a:stCxn id="58" idx="5"/>
+            <a:endCxn id="49" idx="2"/>
           </p:cNvCxnSpPr>
           <p:nvPr/>
         </p:nvCxnSpPr>
         <p:spPr>
           <a:xfrm>
-            <a:off x="7851029" y="3380936"/>
-            <a:ext cx="574225" cy="170993"/>
-          </a:xfrm>
-          <a:prstGeom prst="straightConnector1">
-            <a:avLst/>
-          </a:prstGeom>
-          <a:ln>
-            <a:tailEnd type="triangle"/>
-          </a:ln>
-        </p:spPr>
-        <p:style>
-          <a:lnRef idx="1">
-            <a:schemeClr val="dk1"/>
-          </a:lnRef>
-          <a:fillRef idx="0">
-            <a:schemeClr val="dk1"/>
-          </a:fillRef>
-          <a:effectRef idx="0">
-            <a:schemeClr val="dk1"/>
-          </a:effectRef>
-          <a:fontRef idx="minor">
-            <a:schemeClr val="tx1"/>
-          </a:fontRef>
-        </p:style>
-      </p:cxnSp>
-      <p:sp>
-        <p:nvSpPr>
-          <p:cNvPr id="50" name="Elipse 49">
-            <a:extLst>
-              <a:ext uri="{FF2B5EF4-FFF2-40B4-BE49-F238E27FC236}">
-                <a16:creationId xmlns:a16="http://schemas.microsoft.com/office/drawing/2014/main" id="{95E93CA6-0D48-4718-B2A5-F5C28CB11CC4}"/>
-              </a:ext>
-            </a:extLst>
-          </p:cNvPr>
-          <p:cNvSpPr/>
-          <p:nvPr/>
-        </p:nvSpPr>
-        <p:spPr>
-          <a:xfrm>
-            <a:off x="3499735" y="3822421"/>
-            <a:ext cx="1780674" cy="644271"/>
-          </a:xfrm>
-          <a:prstGeom prst="ellipse">
-            <a:avLst/>
-          </a:prstGeom>
-        </p:spPr>
-        <p:style>
-          <a:lnRef idx="2">
-            <a:schemeClr val="dk1"/>
-          </a:lnRef>
-          <a:fillRef idx="1">
-            <a:schemeClr val="lt1"/>
-          </a:fillRef>
-          <a:effectRef idx="0">
-            <a:schemeClr val="dk1"/>
-          </a:effectRef>
-          <a:fontRef idx="minor">
-            <a:schemeClr val="dk1"/>
-          </a:fontRef>
-        </p:style>
-        <p:txBody>
-          <a:bodyPr rtlCol="0" anchor="ctr"/>
-          <a:lstStyle/>
-          <a:p>
-            <a:pPr algn="ctr"/>
-            <a:r>
-              <a:rPr lang="es-ES" dirty="0"/>
-              <a:t>Menú</a:t>
-            </a:r>
-            <a:endParaRPr lang="es-VE" dirty="0"/>
-          </a:p>
-        </p:txBody>
-      </p:sp>
-      <p:cxnSp>
-        <p:nvCxnSpPr>
-          <p:cNvPr id="28" name="Conector recto de flecha 27">
-            <a:extLst>
-              <a:ext uri="{FF2B5EF4-FFF2-40B4-BE49-F238E27FC236}">
-                <a16:creationId xmlns:a16="http://schemas.microsoft.com/office/drawing/2014/main" id="{A170BA00-D1C4-4177-80EF-7B8514F201DE}"/>
-              </a:ext>
-            </a:extLst>
-          </p:cNvPr>
-          <p:cNvCxnSpPr>
-            <a:cxnSpLocks/>
-            <a:endCxn id="50" idx="2"/>
-          </p:cNvCxnSpPr>
-          <p:nvPr/>
-        </p:nvCxnSpPr>
-        <p:spPr>
-          <a:xfrm>
-            <a:off x="3002830" y="4129020"/>
-            <a:ext cx="496905" cy="15537"/>
-          </a:xfrm>
-          <a:prstGeom prst="straightConnector1">
-            <a:avLst/>
-          </a:prstGeom>
-          <a:ln>
-            <a:tailEnd type="triangle"/>
-          </a:ln>
-        </p:spPr>
-        <p:style>
-          <a:lnRef idx="1">
-            <a:schemeClr val="dk1"/>
-          </a:lnRef>
-          <a:fillRef idx="0">
-            <a:schemeClr val="dk1"/>
-          </a:fillRef>
-          <a:effectRef idx="0">
-            <a:schemeClr val="dk1"/>
-          </a:effectRef>
-          <a:fontRef idx="minor">
-            <a:schemeClr val="tx1"/>
-          </a:fontRef>
-        </p:style>
-      </p:cxnSp>
-      <p:sp>
-        <p:nvSpPr>
-          <p:cNvPr id="58" name="Elipse 57">
-            <a:extLst>
-              <a:ext uri="{FF2B5EF4-FFF2-40B4-BE49-F238E27FC236}">
-                <a16:creationId xmlns:a16="http://schemas.microsoft.com/office/drawing/2014/main" id="{783D5526-D2DC-4C97-A81F-7F6B7859DE1C}"/>
-              </a:ext>
-            </a:extLst>
-          </p:cNvPr>
-          <p:cNvSpPr/>
-          <p:nvPr/>
-        </p:nvSpPr>
-        <p:spPr>
-          <a:xfrm>
-            <a:off x="5823901" y="3791348"/>
-            <a:ext cx="1780674" cy="644271"/>
-          </a:xfrm>
-          <a:prstGeom prst="ellipse">
-            <a:avLst/>
-          </a:prstGeom>
-        </p:spPr>
-        <p:style>
-          <a:lnRef idx="2">
-            <a:schemeClr val="dk1"/>
-          </a:lnRef>
-          <a:fillRef idx="1">
-            <a:schemeClr val="lt1"/>
-          </a:fillRef>
-          <a:effectRef idx="0">
-            <a:schemeClr val="dk1"/>
-          </a:effectRef>
-          <a:fontRef idx="minor">
-            <a:schemeClr val="dk1"/>
-          </a:fontRef>
-        </p:style>
-        <p:txBody>
-          <a:bodyPr rtlCol="0" anchor="ctr"/>
-          <a:lstStyle/>
-          <a:p>
-            <a:pPr algn="ctr"/>
-            <a:r>
-              <a:rPr lang="es-ES" dirty="0"/>
-              <a:t>Lista del menú</a:t>
-            </a:r>
-            <a:endParaRPr lang="es-VE" dirty="0"/>
-          </a:p>
-        </p:txBody>
-      </p:sp>
-      <p:cxnSp>
-        <p:nvCxnSpPr>
-          <p:cNvPr id="30" name="Conector recto de flecha 29">
-            <a:extLst>
-              <a:ext uri="{FF2B5EF4-FFF2-40B4-BE49-F238E27FC236}">
-                <a16:creationId xmlns:a16="http://schemas.microsoft.com/office/drawing/2014/main" id="{B6F6A719-7F02-474E-BDBB-68FBD796B0C9}"/>
-              </a:ext>
-            </a:extLst>
-          </p:cNvPr>
-          <p:cNvCxnSpPr>
-            <a:stCxn id="50" idx="6"/>
-            <a:endCxn id="58" idx="2"/>
-          </p:cNvCxnSpPr>
-          <p:nvPr/>
-        </p:nvCxnSpPr>
-        <p:spPr>
-          <a:xfrm flipV="1">
-            <a:off x="5280409" y="4113484"/>
-            <a:ext cx="543492" cy="31073"/>
+            <a:off x="7343801" y="4341268"/>
+            <a:ext cx="341575" cy="195653"/>
           </a:xfrm>
           <a:prstGeom prst="straightConnector1">
             <a:avLst/>
@@ -7593,6 +7682,66 @@
 </p:sld>
 </file>
 
+<file path=ppt/slides/slide12.xml><?xml version="1.0" encoding="utf-8"?>
+<p:sld xmlns:a="http://schemas.openxmlformats.org/drawingml/2006/main" xmlns:r="http://schemas.openxmlformats.org/officeDocument/2006/relationships" xmlns:p="http://schemas.openxmlformats.org/presentationml/2006/main">
+  <p:cSld>
+    <p:spTree>
+      <p:nvGrpSpPr>
+        <p:cNvPr id="1" name=""/>
+        <p:cNvGrpSpPr/>
+        <p:nvPr/>
+      </p:nvGrpSpPr>
+      <p:grpSpPr>
+        <a:xfrm>
+          <a:off x="0" y="0"/>
+          <a:ext cx="0" cy="0"/>
+          <a:chOff x="0" y="0"/>
+          <a:chExt cx="0" cy="0"/>
+        </a:xfrm>
+      </p:grpSpPr>
+      <p:pic>
+        <p:nvPicPr>
+          <p:cNvPr id="5" name="Imagen 4">
+            <a:extLst>
+              <a:ext uri="{FF2B5EF4-FFF2-40B4-BE49-F238E27FC236}">
+                <a16:creationId xmlns:a16="http://schemas.microsoft.com/office/drawing/2014/main" id="{F7D32740-295E-4D2D-B092-FD9139B3C94A}"/>
+              </a:ext>
+            </a:extLst>
+          </p:cNvPr>
+          <p:cNvPicPr>
+            <a:picLocks noChangeAspect="1"/>
+          </p:cNvPicPr>
+          <p:nvPr/>
+        </p:nvPicPr>
+        <p:blipFill>
+          <a:blip r:embed="rId2"/>
+          <a:stretch>
+            <a:fillRect/>
+          </a:stretch>
+        </p:blipFill>
+        <p:spPr>
+          <a:xfrm>
+            <a:off x="824120" y="414337"/>
+            <a:ext cx="4076700" cy="6029325"/>
+          </a:xfrm>
+          <a:prstGeom prst="rect">
+            <a:avLst/>
+          </a:prstGeom>
+        </p:spPr>
+      </p:pic>
+    </p:spTree>
+    <p:extLst>
+      <p:ext uri="{BB962C8B-B14F-4D97-AF65-F5344CB8AC3E}">
+        <p14:creationId xmlns:p14="http://schemas.microsoft.com/office/powerpoint/2010/main" val="1184933175"/>
+      </p:ext>
+    </p:extLst>
+  </p:cSld>
+  <p:clrMapOvr>
+    <a:masterClrMapping/>
+  </p:clrMapOvr>
+</p:sld>
+</file>
+
 <file path=ppt/slides/slide2.xml><?xml version="1.0" encoding="utf-8"?>
 <p:sld xmlns:a="http://schemas.openxmlformats.org/drawingml/2006/main" xmlns:r="http://schemas.openxmlformats.org/officeDocument/2006/relationships" xmlns:p="http://schemas.openxmlformats.org/presentationml/2006/main">
   <p:cSld>
@@ -7641,7 +7790,7 @@
         </p:blipFill>
         <p:spPr>
           <a:xfrm>
-            <a:off x="267043" y="2905624"/>
+            <a:off x="103966" y="2905624"/>
             <a:ext cx="903053" cy="1255111"/>
           </a:xfrm>
           <a:prstGeom prst="rect">
@@ -7663,8 +7812,8 @@
         </p:nvSpPr>
         <p:spPr>
           <a:xfrm>
-            <a:off x="1726874" y="1427020"/>
-            <a:ext cx="1909010" cy="4231105"/>
+            <a:off x="1543045" y="990070"/>
+            <a:ext cx="2013548" cy="5327374"/>
           </a:xfrm>
           <a:prstGeom prst="ellipse">
             <a:avLst/>
@@ -7691,8 +7840,23 @@
             <a:pPr algn="ctr"/>
             <a:r>
               <a:rPr lang="es-ES" dirty="0"/>
+              <a:t>Iniciar Sesión</a:t>
+            </a:r>
+          </a:p>
+          <a:p>
+            <a:pPr algn="ctr"/>
+            <a:endParaRPr lang="es-ES" dirty="0"/>
+          </a:p>
+          <a:p>
+            <a:pPr algn="ctr"/>
+            <a:r>
+              <a:rPr lang="es-ES" dirty="0"/>
               <a:t>Registrar Facturas</a:t>
             </a:r>
+          </a:p>
+          <a:p>
+            <a:pPr algn="ctr"/>
+            <a:endParaRPr lang="es-ES" dirty="0"/>
           </a:p>
           <a:p>
             <a:pPr algn="ctr"/>
@@ -7703,6 +7867,10 @@
           </a:p>
           <a:p>
             <a:pPr algn="ctr"/>
+            <a:endParaRPr lang="es-ES" dirty="0"/>
+          </a:p>
+          <a:p>
+            <a:pPr algn="ctr"/>
             <a:r>
               <a:rPr lang="es-ES" dirty="0"/>
               <a:t>Consultar</a:t>
@@ -7715,6 +7883,17 @@
               <a:t>Facturas</a:t>
             </a:r>
           </a:p>
+          <a:p>
+            <a:pPr algn="ctr"/>
+            <a:endParaRPr lang="es-ES" dirty="0"/>
+          </a:p>
+          <a:p>
+            <a:pPr algn="ctr"/>
+            <a:r>
+              <a:rPr lang="es-ES" dirty="0"/>
+              <a:t>Cerrar Sesión</a:t>
+            </a:r>
+          </a:p>
         </p:txBody>
       </p:sp>
       <p:sp>
@@ -7731,7 +7910,7 @@
         </p:nvSpPr>
         <p:spPr>
           <a:xfrm>
-            <a:off x="165295" y="4406290"/>
+            <a:off x="-63250" y="4323106"/>
             <a:ext cx="1283190" cy="369332"/>
           </a:xfrm>
           <a:prstGeom prst="rect">
@@ -7768,7 +7947,7 @@
         </p:nvSpPr>
         <p:spPr>
           <a:xfrm>
-            <a:off x="1170096" y="3400109"/>
+            <a:off x="913233" y="3517028"/>
             <a:ext cx="556778" cy="284929"/>
           </a:xfrm>
           <a:prstGeom prst="rightArrow">
@@ -7812,7 +7991,7 @@
         </p:nvSpPr>
         <p:spPr>
           <a:xfrm>
-            <a:off x="3635884" y="1501736"/>
+            <a:off x="3479512" y="366598"/>
             <a:ext cx="1909010" cy="483266"/>
           </a:xfrm>
           <a:prstGeom prst="flowChartConnector">
@@ -7864,8 +8043,8 @@
         </p:nvCxnSpPr>
         <p:spPr>
           <a:xfrm flipV="1">
-            <a:off x="3356316" y="1743369"/>
-            <a:ext cx="279568" cy="303282"/>
+            <a:off x="3261716" y="608231"/>
+            <a:ext cx="217796" cy="1162015"/>
           </a:xfrm>
           <a:prstGeom prst="straightConnector1">
             <a:avLst/>
@@ -7903,7 +8082,7 @@
         </p:nvSpPr>
         <p:spPr>
           <a:xfrm>
-            <a:off x="6096000" y="1173373"/>
+            <a:off x="6225467" y="90893"/>
             <a:ext cx="1909010" cy="656726"/>
           </a:xfrm>
           <a:prstGeom prst="flowChartConnector">
@@ -7951,7 +8130,7 @@
         </p:nvSpPr>
         <p:spPr>
           <a:xfrm>
-            <a:off x="5880643" y="2088070"/>
+            <a:off x="4636726" y="963466"/>
             <a:ext cx="1909010" cy="656726"/>
           </a:xfrm>
           <a:prstGeom prst="flowChartConnector">
@@ -8003,8 +8182,8 @@
         </p:nvCxnSpPr>
         <p:spPr>
           <a:xfrm flipV="1">
-            <a:off x="5265326" y="1501736"/>
-            <a:ext cx="830674" cy="70773"/>
+            <a:off x="5108954" y="419256"/>
+            <a:ext cx="1116513" cy="18115"/>
           </a:xfrm>
           <a:prstGeom prst="straightConnector1">
             <a:avLst/>
@@ -8045,9 +8224,9 @@
           <p:nvPr/>
         </p:nvCxnSpPr>
         <p:spPr>
-          <a:xfrm>
-            <a:off x="5265326" y="1914229"/>
-            <a:ext cx="615317" cy="502204"/>
+          <a:xfrm flipH="1">
+            <a:off x="4636726" y="779091"/>
+            <a:ext cx="472228" cy="512738"/>
           </a:xfrm>
           <a:prstGeom prst="straightConnector1">
             <a:avLst/>
@@ -8085,8 +8264,8 @@
         </p:nvSpPr>
         <p:spPr>
           <a:xfrm>
-            <a:off x="9369757" y="782824"/>
-            <a:ext cx="1909010" cy="656726"/>
+            <a:off x="8093999" y="3555271"/>
+            <a:ext cx="1909010" cy="993563"/>
           </a:xfrm>
           <a:prstGeom prst="flowChartConnector">
             <a:avLst/>
@@ -8113,7 +8292,7 @@
             <a:pPr algn="ctr"/>
             <a:r>
               <a:rPr lang="es-ES" dirty="0"/>
-              <a:t>Registrar Proveedor</a:t>
+              <a:t>Registrar Nuevo Proveedor</a:t>
             </a:r>
             <a:endParaRPr lang="es-VE" dirty="0"/>
           </a:p>
@@ -8131,14 +8310,14 @@
           <p:cNvCxnSpPr>
             <a:cxnSpLocks/>
             <a:stCxn id="13" idx="6"/>
-            <a:endCxn id="38" idx="2"/>
+            <a:endCxn id="27" idx="2"/>
           </p:cNvCxnSpPr>
           <p:nvPr/>
         </p:nvCxnSpPr>
         <p:spPr>
-          <a:xfrm flipV="1">
-            <a:off x="8005010" y="1111187"/>
-            <a:ext cx="1364747" cy="390549"/>
+          <a:xfrm>
+            <a:off x="8134477" y="419256"/>
+            <a:ext cx="753237" cy="120144"/>
           </a:xfrm>
           <a:prstGeom prst="straightConnector1">
             <a:avLst/>
@@ -8176,7 +8355,7 @@
         </p:nvSpPr>
         <p:spPr>
           <a:xfrm>
-            <a:off x="7769306" y="805404"/>
+            <a:off x="9581497" y="1951573"/>
             <a:ext cx="1291892" cy="369332"/>
           </a:xfrm>
           <a:prstGeom prst="rect">
@@ -8220,7 +8399,7 @@
         </p:nvSpPr>
         <p:spPr>
           <a:xfrm>
-            <a:off x="4193556" y="4997352"/>
+            <a:off x="4072019" y="5713366"/>
             <a:ext cx="1519212" cy="694074"/>
           </a:xfrm>
           <a:prstGeom prst="flowChartConnector">
@@ -8248,7 +8427,7 @@
             <a:pPr algn="ctr"/>
             <a:r>
               <a:rPr lang="es-ES" dirty="0"/>
-              <a:t>Consultar Facturas</a:t>
+              <a:t>Ver lista Facturas</a:t>
             </a:r>
             <a:endParaRPr lang="es-VE" dirty="0"/>
           </a:p>
@@ -8272,8 +8451,8 @@
         </p:nvCxnSpPr>
         <p:spPr>
           <a:xfrm>
-            <a:off x="3356316" y="5038494"/>
-            <a:ext cx="837240" cy="305895"/>
+            <a:off x="3261716" y="5537268"/>
+            <a:ext cx="810303" cy="523135"/>
           </a:xfrm>
           <a:prstGeom prst="straightConnector1">
             <a:avLst/>
@@ -8299,10 +8478,10 @@
       </p:cxnSp>
       <p:sp>
         <p:nvSpPr>
-          <p:cNvPr id="27" name="Diagrama de flujo: conector 26">
-            <a:extLst>
-              <a:ext uri="{FF2B5EF4-FFF2-40B4-BE49-F238E27FC236}">
-                <a16:creationId xmlns:a16="http://schemas.microsoft.com/office/drawing/2014/main" id="{2EB991E8-4FA0-45BF-B968-BBE181446562}"/>
+          <p:cNvPr id="33" name="Diagrama de flujo: conector 32">
+            <a:extLst>
+              <a:ext uri="{FF2B5EF4-FFF2-40B4-BE49-F238E27FC236}">
+                <a16:creationId xmlns:a16="http://schemas.microsoft.com/office/drawing/2014/main" id="{B05079FC-37E8-4B15-B538-8E906559DC24}"/>
               </a:ext>
             </a:extLst>
           </p:cNvPr>
@@ -8311,8 +8490,8 @@
         </p:nvSpPr>
         <p:spPr>
           <a:xfrm>
-            <a:off x="8106693" y="3373538"/>
-            <a:ext cx="1909010" cy="656726"/>
+            <a:off x="4056572" y="3461762"/>
+            <a:ext cx="2451325" cy="694074"/>
           </a:xfrm>
           <a:prstGeom prst="flowChartConnector">
             <a:avLst/>
@@ -8339,104 +8518,18 @@
             <a:pPr algn="ctr"/>
             <a:r>
               <a:rPr lang="es-ES" dirty="0"/>
-              <a:t>Registrar Cliente</a:t>
+              <a:t>Lista Proveedores</a:t>
             </a:r>
             <a:endParaRPr lang="es-VE" dirty="0"/>
           </a:p>
         </p:txBody>
       </p:sp>
-      <p:cxnSp>
-        <p:nvCxnSpPr>
-          <p:cNvPr id="20" name="Conector recto de flecha 19">
-            <a:extLst>
-              <a:ext uri="{FF2B5EF4-FFF2-40B4-BE49-F238E27FC236}">
-                <a16:creationId xmlns:a16="http://schemas.microsoft.com/office/drawing/2014/main" id="{A096882C-2C39-46C5-8373-497D79E0CA20}"/>
-              </a:ext>
-            </a:extLst>
-          </p:cNvPr>
-          <p:cNvCxnSpPr>
-            <a:stCxn id="14" idx="6"/>
-            <a:endCxn id="27" idx="2"/>
-          </p:cNvCxnSpPr>
-          <p:nvPr/>
-        </p:nvCxnSpPr>
-        <p:spPr>
-          <a:xfrm>
-            <a:off x="7789653" y="2416433"/>
-            <a:ext cx="317040" cy="1285468"/>
-          </a:xfrm>
-          <a:prstGeom prst="straightConnector1">
-            <a:avLst/>
-          </a:prstGeom>
-          <a:ln>
-            <a:tailEnd type="triangle"/>
-          </a:ln>
-        </p:spPr>
-        <p:style>
-          <a:lnRef idx="1">
-            <a:schemeClr val="dk1"/>
-          </a:lnRef>
-          <a:fillRef idx="0">
-            <a:schemeClr val="dk1"/>
-          </a:fillRef>
-          <a:effectRef idx="0">
-            <a:schemeClr val="dk1"/>
-          </a:effectRef>
-          <a:fontRef idx="minor">
-            <a:schemeClr val="tx1"/>
-          </a:fontRef>
-        </p:style>
-      </p:cxnSp>
-      <p:sp>
-        <p:nvSpPr>
-          <p:cNvPr id="29" name="CuadroTexto 28">
-            <a:extLst>
-              <a:ext uri="{FF2B5EF4-FFF2-40B4-BE49-F238E27FC236}">
-                <a16:creationId xmlns:a16="http://schemas.microsoft.com/office/drawing/2014/main" id="{C67A9BA8-8541-4F85-B128-E7F4B8F55129}"/>
-              </a:ext>
-            </a:extLst>
-          </p:cNvPr>
-          <p:cNvSpPr txBox="1"/>
-          <p:nvPr/>
-        </p:nvSpPr>
-        <p:spPr>
-          <a:xfrm>
-            <a:off x="8041437" y="2840025"/>
-            <a:ext cx="1291892" cy="369332"/>
-          </a:xfrm>
-          <a:prstGeom prst="rect">
-            <a:avLst/>
-          </a:prstGeom>
-          <a:noFill/>
-        </p:spPr>
-        <p:txBody>
-          <a:bodyPr wrap="none" rtlCol="0">
-            <a:spAutoFit/>
-          </a:bodyPr>
-          <a:lstStyle/>
-          <a:p>
-            <a:r>
-              <a:rPr lang="es-ES" dirty="0"/>
-              <a:t>&lt;&lt;</a:t>
-            </a:r>
-            <a:r>
-              <a:rPr lang="es-ES" dirty="0" err="1"/>
-              <a:t>extend</a:t>
-            </a:r>
-            <a:r>
-              <a:rPr lang="es-ES" dirty="0"/>
-              <a:t>&gt;&gt;</a:t>
-            </a:r>
-            <a:endParaRPr lang="es-VE" dirty="0"/>
-          </a:p>
-        </p:txBody>
-      </p:sp>
-      <p:sp>
-        <p:nvSpPr>
-          <p:cNvPr id="33" name="Diagrama de flujo: conector 32">
-            <a:extLst>
-              <a:ext uri="{FF2B5EF4-FFF2-40B4-BE49-F238E27FC236}">
-                <a16:creationId xmlns:a16="http://schemas.microsoft.com/office/drawing/2014/main" id="{B05079FC-37E8-4B15-B538-8E906559DC24}"/>
+      <p:sp>
+        <p:nvSpPr>
+          <p:cNvPr id="34" name="Diagrama de flujo: conector 33">
+            <a:extLst>
+              <a:ext uri="{FF2B5EF4-FFF2-40B4-BE49-F238E27FC236}">
+                <a16:creationId xmlns:a16="http://schemas.microsoft.com/office/drawing/2014/main" id="{AB21A20A-3844-42A9-80CA-06295077FB37}"/>
               </a:ext>
             </a:extLst>
           </p:cNvPr>
@@ -8445,8 +8538,8 @@
         </p:nvSpPr>
         <p:spPr>
           <a:xfrm>
-            <a:off x="4684645" y="3002767"/>
-            <a:ext cx="2056247" cy="694074"/>
+            <a:off x="3946704" y="4409977"/>
+            <a:ext cx="2451325" cy="694074"/>
           </a:xfrm>
           <a:prstGeom prst="flowChartConnector">
             <a:avLst/>
@@ -8473,55 +8566,7 @@
             <a:pPr algn="ctr"/>
             <a:r>
               <a:rPr lang="es-ES" dirty="0"/>
-              <a:t>Proveedores</a:t>
-            </a:r>
-            <a:endParaRPr lang="es-VE" dirty="0"/>
-          </a:p>
-        </p:txBody>
-      </p:sp>
-      <p:sp>
-        <p:nvSpPr>
-          <p:cNvPr id="34" name="Diagrama de flujo: conector 33">
-            <a:extLst>
-              <a:ext uri="{FF2B5EF4-FFF2-40B4-BE49-F238E27FC236}">
-                <a16:creationId xmlns:a16="http://schemas.microsoft.com/office/drawing/2014/main" id="{AB21A20A-3844-42A9-80CA-06295077FB37}"/>
-              </a:ext>
-            </a:extLst>
-          </p:cNvPr>
-          <p:cNvSpPr/>
-          <p:nvPr/>
-        </p:nvSpPr>
-        <p:spPr>
-          <a:xfrm>
-            <a:off x="4612781" y="3813698"/>
-            <a:ext cx="2056247" cy="694074"/>
-          </a:xfrm>
-          <a:prstGeom prst="flowChartConnector">
-            <a:avLst/>
-          </a:prstGeom>
-        </p:spPr>
-        <p:style>
-          <a:lnRef idx="2">
-            <a:schemeClr val="dk1"/>
-          </a:lnRef>
-          <a:fillRef idx="1">
-            <a:schemeClr val="lt1"/>
-          </a:fillRef>
-          <a:effectRef idx="0">
-            <a:schemeClr val="dk1"/>
-          </a:effectRef>
-          <a:fontRef idx="minor">
-            <a:schemeClr val="dk1"/>
-          </a:fontRef>
-        </p:style>
-        <p:txBody>
-          <a:bodyPr rtlCol="0" anchor="ctr"/>
-          <a:lstStyle/>
-          <a:p>
-            <a:pPr algn="ctr"/>
-            <a:r>
-              <a:rPr lang="es-ES" dirty="0"/>
-              <a:t>Clientes</a:t>
+              <a:t>Lista Clientes</a:t>
             </a:r>
             <a:endParaRPr lang="es-VE" dirty="0"/>
           </a:p>
@@ -8537,15 +8582,16 @@
             </a:extLst>
           </p:cNvPr>
           <p:cNvCxnSpPr>
+            <a:cxnSpLocks/>
             <a:stCxn id="5" idx="6"/>
             <a:endCxn id="33" idx="2"/>
           </p:cNvCxnSpPr>
           <p:nvPr/>
         </p:nvCxnSpPr>
         <p:spPr>
-          <a:xfrm flipV="1">
-            <a:off x="3635884" y="3349804"/>
-            <a:ext cx="1048761" cy="192769"/>
+          <a:xfrm>
+            <a:off x="3556593" y="3653757"/>
+            <a:ext cx="499979" cy="155042"/>
           </a:xfrm>
           <a:prstGeom prst="straightConnector1">
             <a:avLst/>
@@ -8579,6 +8625,7 @@
             </a:extLst>
           </p:cNvPr>
           <p:cNvCxnSpPr>
+            <a:cxnSpLocks/>
             <a:stCxn id="5" idx="6"/>
             <a:endCxn id="34" idx="2"/>
           </p:cNvCxnSpPr>
@@ -8586,8 +8633,691 @@
         </p:nvCxnSpPr>
         <p:spPr>
           <a:xfrm>
-            <a:off x="3635884" y="3542573"/>
-            <a:ext cx="976897" cy="618162"/>
+            <a:off x="3556593" y="3653757"/>
+            <a:ext cx="390111" cy="1103257"/>
+          </a:xfrm>
+          <a:prstGeom prst="straightConnector1">
+            <a:avLst/>
+          </a:prstGeom>
+          <a:ln>
+            <a:tailEnd type="triangle"/>
+          </a:ln>
+        </p:spPr>
+        <p:style>
+          <a:lnRef idx="1">
+            <a:schemeClr val="dk1"/>
+          </a:lnRef>
+          <a:fillRef idx="0">
+            <a:schemeClr val="dk1"/>
+          </a:fillRef>
+          <a:effectRef idx="0">
+            <a:schemeClr val="dk1"/>
+          </a:effectRef>
+          <a:fontRef idx="minor">
+            <a:schemeClr val="tx1"/>
+          </a:fontRef>
+        </p:style>
+      </p:cxnSp>
+      <p:sp>
+        <p:nvSpPr>
+          <p:cNvPr id="42" name="Diagrama de flujo: conector 41">
+            <a:extLst>
+              <a:ext uri="{FF2B5EF4-FFF2-40B4-BE49-F238E27FC236}">
+                <a16:creationId xmlns:a16="http://schemas.microsoft.com/office/drawing/2014/main" id="{B635FE19-DDB7-4A0B-BCA9-36714D7DA321}"/>
+              </a:ext>
+            </a:extLst>
+          </p:cNvPr>
+          <p:cNvSpPr/>
+          <p:nvPr/>
+        </p:nvSpPr>
+        <p:spPr>
+          <a:xfrm>
+            <a:off x="5790690" y="5244257"/>
+            <a:ext cx="1898353" cy="694074"/>
+          </a:xfrm>
+          <a:prstGeom prst="flowChartConnector">
+            <a:avLst/>
+          </a:prstGeom>
+        </p:spPr>
+        <p:style>
+          <a:lnRef idx="2">
+            <a:schemeClr val="dk1"/>
+          </a:lnRef>
+          <a:fillRef idx="1">
+            <a:schemeClr val="lt1"/>
+          </a:fillRef>
+          <a:effectRef idx="0">
+            <a:schemeClr val="dk1"/>
+          </a:effectRef>
+          <a:fontRef idx="minor">
+            <a:schemeClr val="dk1"/>
+          </a:fontRef>
+        </p:style>
+        <p:txBody>
+          <a:bodyPr rtlCol="0" anchor="ctr"/>
+          <a:lstStyle/>
+          <a:p>
+            <a:pPr algn="ctr"/>
+            <a:r>
+              <a:rPr lang="es-ES" dirty="0"/>
+              <a:t>De Compras</a:t>
+            </a:r>
+            <a:endParaRPr lang="es-VE" dirty="0"/>
+          </a:p>
+        </p:txBody>
+      </p:sp>
+      <p:cxnSp>
+        <p:nvCxnSpPr>
+          <p:cNvPr id="39" name="Conector recto de flecha 38">
+            <a:extLst>
+              <a:ext uri="{FF2B5EF4-FFF2-40B4-BE49-F238E27FC236}">
+                <a16:creationId xmlns:a16="http://schemas.microsoft.com/office/drawing/2014/main" id="{49629238-B589-48EF-910C-4618F78FECC1}"/>
+              </a:ext>
+            </a:extLst>
+          </p:cNvPr>
+          <p:cNvCxnSpPr>
+            <a:cxnSpLocks/>
+            <a:stCxn id="53" idx="7"/>
+            <a:endCxn id="42" idx="2"/>
+          </p:cNvCxnSpPr>
+          <p:nvPr/>
+        </p:nvCxnSpPr>
+        <p:spPr>
+          <a:xfrm flipV="1">
+            <a:off x="5368748" y="5591294"/>
+            <a:ext cx="421942" cy="223717"/>
+          </a:xfrm>
+          <a:prstGeom prst="straightConnector1">
+            <a:avLst/>
+          </a:prstGeom>
+          <a:ln>
+            <a:tailEnd type="triangle"/>
+          </a:ln>
+        </p:spPr>
+        <p:style>
+          <a:lnRef idx="1">
+            <a:schemeClr val="dk1"/>
+          </a:lnRef>
+          <a:fillRef idx="0">
+            <a:schemeClr val="dk1"/>
+          </a:fillRef>
+          <a:effectRef idx="0">
+            <a:schemeClr val="dk1"/>
+          </a:effectRef>
+          <a:fontRef idx="minor">
+            <a:schemeClr val="tx1"/>
+          </a:fontRef>
+        </p:style>
+      </p:cxnSp>
+      <p:sp>
+        <p:nvSpPr>
+          <p:cNvPr id="27" name="Diagrama de flujo: conector 26">
+            <a:extLst>
+              <a:ext uri="{FF2B5EF4-FFF2-40B4-BE49-F238E27FC236}">
+                <a16:creationId xmlns:a16="http://schemas.microsoft.com/office/drawing/2014/main" id="{E2ADF77D-3E0F-4630-AD97-3D2F2422E3F4}"/>
+              </a:ext>
+            </a:extLst>
+          </p:cNvPr>
+          <p:cNvSpPr/>
+          <p:nvPr/>
+        </p:nvSpPr>
+        <p:spPr>
+          <a:xfrm>
+            <a:off x="8887714" y="192363"/>
+            <a:ext cx="1909010" cy="694074"/>
+          </a:xfrm>
+          <a:prstGeom prst="flowChartConnector">
+            <a:avLst/>
+          </a:prstGeom>
+        </p:spPr>
+        <p:style>
+          <a:lnRef idx="2">
+            <a:schemeClr val="dk1"/>
+          </a:lnRef>
+          <a:fillRef idx="1">
+            <a:schemeClr val="lt1"/>
+          </a:fillRef>
+          <a:effectRef idx="0">
+            <a:schemeClr val="dk1"/>
+          </a:effectRef>
+          <a:fontRef idx="minor">
+            <a:schemeClr val="dk1"/>
+          </a:fontRef>
+        </p:style>
+        <p:txBody>
+          <a:bodyPr rtlCol="0" anchor="ctr"/>
+          <a:lstStyle/>
+          <a:p>
+            <a:pPr algn="ctr"/>
+            <a:r>
+              <a:rPr lang="es-ES" dirty="0"/>
+              <a:t>Consultar Rif</a:t>
+            </a:r>
+            <a:endParaRPr lang="es-VE" dirty="0"/>
+          </a:p>
+        </p:txBody>
+      </p:sp>
+      <p:cxnSp>
+        <p:nvCxnSpPr>
+          <p:cNvPr id="15" name="Conector recto de flecha 14">
+            <a:extLst>
+              <a:ext uri="{FF2B5EF4-FFF2-40B4-BE49-F238E27FC236}">
+                <a16:creationId xmlns:a16="http://schemas.microsoft.com/office/drawing/2014/main" id="{950AF52D-52A5-4A9B-B82D-03FE88EE6699}"/>
+              </a:ext>
+            </a:extLst>
+          </p:cNvPr>
+          <p:cNvCxnSpPr>
+            <a:cxnSpLocks/>
+            <a:stCxn id="27" idx="4"/>
+            <a:endCxn id="38" idx="0"/>
+          </p:cNvCxnSpPr>
+          <p:nvPr/>
+        </p:nvCxnSpPr>
+        <p:spPr>
+          <a:xfrm flipH="1">
+            <a:off x="9048504" y="886437"/>
+            <a:ext cx="793715" cy="2668834"/>
+          </a:xfrm>
+          <a:prstGeom prst="straightConnector1">
+            <a:avLst/>
+          </a:prstGeom>
+          <a:ln>
+            <a:tailEnd type="triangle"/>
+          </a:ln>
+        </p:spPr>
+        <p:style>
+          <a:lnRef idx="1">
+            <a:schemeClr val="dk1"/>
+          </a:lnRef>
+          <a:fillRef idx="0">
+            <a:schemeClr val="dk1"/>
+          </a:fillRef>
+          <a:effectRef idx="0">
+            <a:schemeClr val="dk1"/>
+          </a:effectRef>
+          <a:fontRef idx="minor">
+            <a:schemeClr val="tx1"/>
+          </a:fontRef>
+        </p:style>
+      </p:cxnSp>
+      <p:cxnSp>
+        <p:nvCxnSpPr>
+          <p:cNvPr id="36" name="Conector recto de flecha 35">
+            <a:extLst>
+              <a:ext uri="{FF2B5EF4-FFF2-40B4-BE49-F238E27FC236}">
+                <a16:creationId xmlns:a16="http://schemas.microsoft.com/office/drawing/2014/main" id="{146BA183-0021-47B2-A04F-8F29FB0BBCE2}"/>
+              </a:ext>
+            </a:extLst>
+          </p:cNvPr>
+          <p:cNvCxnSpPr>
+            <a:cxnSpLocks/>
+            <a:stCxn id="5" idx="7"/>
+            <a:endCxn id="38" idx="2"/>
+          </p:cNvCxnSpPr>
+          <p:nvPr/>
+        </p:nvCxnSpPr>
+        <p:spPr>
+          <a:xfrm>
+            <a:off x="3261716" y="1770246"/>
+            <a:ext cx="4832283" cy="2281807"/>
+          </a:xfrm>
+          <a:prstGeom prst="straightConnector1">
+            <a:avLst/>
+          </a:prstGeom>
+          <a:ln>
+            <a:tailEnd type="triangle"/>
+          </a:ln>
+        </p:spPr>
+        <p:style>
+          <a:lnRef idx="1">
+            <a:schemeClr val="dk1"/>
+          </a:lnRef>
+          <a:fillRef idx="0">
+            <a:schemeClr val="dk1"/>
+          </a:fillRef>
+          <a:effectRef idx="0">
+            <a:schemeClr val="dk1"/>
+          </a:effectRef>
+          <a:fontRef idx="minor">
+            <a:schemeClr val="tx1"/>
+          </a:fontRef>
+        </p:style>
+      </p:cxnSp>
+      <p:sp>
+        <p:nvSpPr>
+          <p:cNvPr id="48" name="Diagrama de flujo: conector 47">
+            <a:extLst>
+              <a:ext uri="{FF2B5EF4-FFF2-40B4-BE49-F238E27FC236}">
+                <a16:creationId xmlns:a16="http://schemas.microsoft.com/office/drawing/2014/main" id="{30923889-7F50-48F4-8E8E-BB1FFB6F8A66}"/>
+              </a:ext>
+            </a:extLst>
+          </p:cNvPr>
+          <p:cNvSpPr/>
+          <p:nvPr/>
+        </p:nvSpPr>
+        <p:spPr>
+          <a:xfrm>
+            <a:off x="6009036" y="6088076"/>
+            <a:ext cx="2007644" cy="694074"/>
+          </a:xfrm>
+          <a:prstGeom prst="flowChartConnector">
+            <a:avLst/>
+          </a:prstGeom>
+        </p:spPr>
+        <p:style>
+          <a:lnRef idx="2">
+            <a:schemeClr val="dk1"/>
+          </a:lnRef>
+          <a:fillRef idx="1">
+            <a:schemeClr val="lt1"/>
+          </a:fillRef>
+          <a:effectRef idx="0">
+            <a:schemeClr val="dk1"/>
+          </a:effectRef>
+          <a:fontRef idx="minor">
+            <a:schemeClr val="dk1"/>
+          </a:fontRef>
+        </p:style>
+        <p:txBody>
+          <a:bodyPr rtlCol="0" anchor="ctr"/>
+          <a:lstStyle/>
+          <a:p>
+            <a:pPr algn="ctr"/>
+            <a:r>
+              <a:rPr lang="es-ES" dirty="0"/>
+              <a:t>De Ventas</a:t>
+            </a:r>
+            <a:endParaRPr lang="es-VE" dirty="0"/>
+          </a:p>
+        </p:txBody>
+      </p:sp>
+      <p:cxnSp>
+        <p:nvCxnSpPr>
+          <p:cNvPr id="51" name="Conector recto de flecha 50">
+            <a:extLst>
+              <a:ext uri="{FF2B5EF4-FFF2-40B4-BE49-F238E27FC236}">
+                <a16:creationId xmlns:a16="http://schemas.microsoft.com/office/drawing/2014/main" id="{D6F9E220-01A0-47BC-85FA-E48BCADB17F7}"/>
+              </a:ext>
+            </a:extLst>
+          </p:cNvPr>
+          <p:cNvCxnSpPr>
+            <a:stCxn id="53" idx="5"/>
+            <a:endCxn id="48" idx="2"/>
+          </p:cNvCxnSpPr>
+          <p:nvPr/>
+        </p:nvCxnSpPr>
+        <p:spPr>
+          <a:xfrm>
+            <a:off x="5368748" y="6305795"/>
+            <a:ext cx="640288" cy="129318"/>
+          </a:xfrm>
+          <a:prstGeom prst="straightConnector1">
+            <a:avLst/>
+          </a:prstGeom>
+          <a:ln>
+            <a:tailEnd type="triangle"/>
+          </a:ln>
+        </p:spPr>
+        <p:style>
+          <a:lnRef idx="1">
+            <a:schemeClr val="dk1"/>
+          </a:lnRef>
+          <a:fillRef idx="0">
+            <a:schemeClr val="dk1"/>
+          </a:fillRef>
+          <a:effectRef idx="0">
+            <a:schemeClr val="dk1"/>
+          </a:effectRef>
+          <a:fontRef idx="minor">
+            <a:schemeClr val="tx1"/>
+          </a:fontRef>
+        </p:style>
+      </p:cxnSp>
+      <p:sp>
+        <p:nvSpPr>
+          <p:cNvPr id="54" name="Diagrama de flujo: conector 53">
+            <a:extLst>
+              <a:ext uri="{FF2B5EF4-FFF2-40B4-BE49-F238E27FC236}">
+                <a16:creationId xmlns:a16="http://schemas.microsoft.com/office/drawing/2014/main" id="{4D40BB66-02F9-43C5-931B-F53A00E0E133}"/>
+              </a:ext>
+            </a:extLst>
+          </p:cNvPr>
+          <p:cNvSpPr/>
+          <p:nvPr/>
+        </p:nvSpPr>
+        <p:spPr>
+          <a:xfrm>
+            <a:off x="8505956" y="5676380"/>
+            <a:ext cx="1898353" cy="694074"/>
+          </a:xfrm>
+          <a:prstGeom prst="flowChartConnector">
+            <a:avLst/>
+          </a:prstGeom>
+        </p:spPr>
+        <p:style>
+          <a:lnRef idx="2">
+            <a:schemeClr val="dk1"/>
+          </a:lnRef>
+          <a:fillRef idx="1">
+            <a:schemeClr val="lt1"/>
+          </a:fillRef>
+          <a:effectRef idx="0">
+            <a:schemeClr val="dk1"/>
+          </a:effectRef>
+          <a:fontRef idx="minor">
+            <a:schemeClr val="dk1"/>
+          </a:fontRef>
+        </p:style>
+        <p:txBody>
+          <a:bodyPr rtlCol="0" anchor="ctr"/>
+          <a:lstStyle/>
+          <a:p>
+            <a:pPr algn="ctr"/>
+            <a:r>
+              <a:rPr lang="es-ES" dirty="0"/>
+              <a:t>Buscar Factura</a:t>
+            </a:r>
+            <a:endParaRPr lang="es-VE" dirty="0"/>
+          </a:p>
+        </p:txBody>
+      </p:sp>
+      <p:cxnSp>
+        <p:nvCxnSpPr>
+          <p:cNvPr id="56" name="Conector recto de flecha 55">
+            <a:extLst>
+              <a:ext uri="{FF2B5EF4-FFF2-40B4-BE49-F238E27FC236}">
+                <a16:creationId xmlns:a16="http://schemas.microsoft.com/office/drawing/2014/main" id="{E3122712-56BB-46B4-AE41-01D28E202345}"/>
+              </a:ext>
+            </a:extLst>
+          </p:cNvPr>
+          <p:cNvCxnSpPr>
+            <a:stCxn id="42" idx="6"/>
+            <a:endCxn id="54" idx="2"/>
+          </p:cNvCxnSpPr>
+          <p:nvPr/>
+        </p:nvCxnSpPr>
+        <p:spPr>
+          <a:xfrm>
+            <a:off x="7689043" y="5591294"/>
+            <a:ext cx="816913" cy="432123"/>
+          </a:xfrm>
+          <a:prstGeom prst="straightConnector1">
+            <a:avLst/>
+          </a:prstGeom>
+          <a:ln>
+            <a:tailEnd type="triangle"/>
+          </a:ln>
+        </p:spPr>
+        <p:style>
+          <a:lnRef idx="1">
+            <a:schemeClr val="accent1"/>
+          </a:lnRef>
+          <a:fillRef idx="0">
+            <a:schemeClr val="accent1"/>
+          </a:fillRef>
+          <a:effectRef idx="0">
+            <a:schemeClr val="accent1"/>
+          </a:effectRef>
+          <a:fontRef idx="minor">
+            <a:schemeClr val="tx1"/>
+          </a:fontRef>
+        </p:style>
+      </p:cxnSp>
+      <p:cxnSp>
+        <p:nvCxnSpPr>
+          <p:cNvPr id="58" name="Conector recto de flecha 57">
+            <a:extLst>
+              <a:ext uri="{FF2B5EF4-FFF2-40B4-BE49-F238E27FC236}">
+                <a16:creationId xmlns:a16="http://schemas.microsoft.com/office/drawing/2014/main" id="{CC10A0D9-F51C-4D11-9180-7A243EC5CB4B}"/>
+              </a:ext>
+            </a:extLst>
+          </p:cNvPr>
+          <p:cNvCxnSpPr>
+            <a:stCxn id="48" idx="6"/>
+            <a:endCxn id="54" idx="2"/>
+          </p:cNvCxnSpPr>
+          <p:nvPr/>
+        </p:nvCxnSpPr>
+        <p:spPr>
+          <a:xfrm flipV="1">
+            <a:off x="8016680" y="6023417"/>
+            <a:ext cx="489276" cy="411696"/>
+          </a:xfrm>
+          <a:prstGeom prst="straightConnector1">
+            <a:avLst/>
+          </a:prstGeom>
+          <a:ln>
+            <a:tailEnd type="triangle"/>
+          </a:ln>
+        </p:spPr>
+        <p:style>
+          <a:lnRef idx="1">
+            <a:schemeClr val="accent1"/>
+          </a:lnRef>
+          <a:fillRef idx="0">
+            <a:schemeClr val="accent1"/>
+          </a:fillRef>
+          <a:effectRef idx="0">
+            <a:schemeClr val="accent1"/>
+          </a:effectRef>
+          <a:fontRef idx="minor">
+            <a:schemeClr val="tx1"/>
+          </a:fontRef>
+        </p:style>
+      </p:cxnSp>
+      <p:sp>
+        <p:nvSpPr>
+          <p:cNvPr id="46" name="Diagrama de flujo: conector 45">
+            <a:extLst>
+              <a:ext uri="{FF2B5EF4-FFF2-40B4-BE49-F238E27FC236}">
+                <a16:creationId xmlns:a16="http://schemas.microsoft.com/office/drawing/2014/main" id="{5A87451B-78F1-43D8-B9E7-B57D7C5CACFB}"/>
+              </a:ext>
+            </a:extLst>
+          </p:cNvPr>
+          <p:cNvSpPr/>
+          <p:nvPr/>
+        </p:nvSpPr>
+        <p:spPr>
+          <a:xfrm>
+            <a:off x="6124224" y="1951573"/>
+            <a:ext cx="1909010" cy="602454"/>
+          </a:xfrm>
+          <a:prstGeom prst="flowChartConnector">
+            <a:avLst/>
+          </a:prstGeom>
+          <a:solidFill>
+            <a:schemeClr val="accent5">
+              <a:lumMod val="60000"/>
+              <a:lumOff val="40000"/>
+            </a:schemeClr>
+          </a:solidFill>
+        </p:spPr>
+        <p:style>
+          <a:lnRef idx="2">
+            <a:schemeClr val="dk1"/>
+          </a:lnRef>
+          <a:fillRef idx="1">
+            <a:schemeClr val="lt1"/>
+          </a:fillRef>
+          <a:effectRef idx="0">
+            <a:schemeClr val="dk1"/>
+          </a:effectRef>
+          <a:fontRef idx="minor">
+            <a:schemeClr val="dk1"/>
+          </a:fontRef>
+        </p:style>
+        <p:txBody>
+          <a:bodyPr rtlCol="0" anchor="ctr"/>
+          <a:lstStyle/>
+          <a:p>
+            <a:pPr algn="ctr"/>
+            <a:r>
+              <a:rPr lang="es-ES" dirty="0"/>
+              <a:t>Consultar cedula</a:t>
+            </a:r>
+            <a:endParaRPr lang="es-VE" dirty="0"/>
+          </a:p>
+        </p:txBody>
+      </p:sp>
+      <p:sp>
+        <p:nvSpPr>
+          <p:cNvPr id="47" name="CuadroTexto 46">
+            <a:extLst>
+              <a:ext uri="{FF2B5EF4-FFF2-40B4-BE49-F238E27FC236}">
+                <a16:creationId xmlns:a16="http://schemas.microsoft.com/office/drawing/2014/main" id="{F7B4B1E3-C88D-4317-846F-E2D43F9614B4}"/>
+              </a:ext>
+            </a:extLst>
+          </p:cNvPr>
+          <p:cNvSpPr txBox="1"/>
+          <p:nvPr/>
+        </p:nvSpPr>
+        <p:spPr>
+          <a:xfrm>
+            <a:off x="5144744" y="1672262"/>
+            <a:ext cx="1291892" cy="369332"/>
+          </a:xfrm>
+          <a:prstGeom prst="rect">
+            <a:avLst/>
+          </a:prstGeom>
+          <a:noFill/>
+        </p:spPr>
+        <p:txBody>
+          <a:bodyPr wrap="none" rtlCol="0">
+            <a:spAutoFit/>
+          </a:bodyPr>
+          <a:lstStyle/>
+          <a:p>
+            <a:r>
+              <a:rPr lang="es-ES" dirty="0"/>
+              <a:t>&lt;&lt;</a:t>
+            </a:r>
+            <a:r>
+              <a:rPr lang="es-ES" dirty="0" err="1"/>
+              <a:t>extend</a:t>
+            </a:r>
+            <a:r>
+              <a:rPr lang="es-ES" dirty="0"/>
+              <a:t>&gt;&gt;</a:t>
+            </a:r>
+            <a:endParaRPr lang="es-VE" dirty="0"/>
+          </a:p>
+        </p:txBody>
+      </p:sp>
+      <p:cxnSp>
+        <p:nvCxnSpPr>
+          <p:cNvPr id="32" name="Conector recto de flecha 31">
+            <a:extLst>
+              <a:ext uri="{FF2B5EF4-FFF2-40B4-BE49-F238E27FC236}">
+                <a16:creationId xmlns:a16="http://schemas.microsoft.com/office/drawing/2014/main" id="{E4E252CE-C06D-4547-ACAE-B5E557BA379D}"/>
+              </a:ext>
+            </a:extLst>
+          </p:cNvPr>
+          <p:cNvCxnSpPr>
+            <a:stCxn id="14" idx="4"/>
+            <a:endCxn id="46" idx="0"/>
+          </p:cNvCxnSpPr>
+          <p:nvPr/>
+        </p:nvCxnSpPr>
+        <p:spPr>
+          <a:xfrm>
+            <a:off x="5591231" y="1620192"/>
+            <a:ext cx="1487498" cy="331381"/>
+          </a:xfrm>
+          <a:prstGeom prst="straightConnector1">
+            <a:avLst/>
+          </a:prstGeom>
+          <a:ln>
+            <a:tailEnd type="triangle"/>
+          </a:ln>
+        </p:spPr>
+        <p:style>
+          <a:lnRef idx="1">
+            <a:schemeClr val="dk1"/>
+          </a:lnRef>
+          <a:fillRef idx="0">
+            <a:schemeClr val="dk1"/>
+          </a:fillRef>
+          <a:effectRef idx="0">
+            <a:schemeClr val="dk1"/>
+          </a:effectRef>
+          <a:fontRef idx="minor">
+            <a:schemeClr val="tx1"/>
+          </a:fontRef>
+        </p:style>
+      </p:cxnSp>
+      <p:sp>
+        <p:nvSpPr>
+          <p:cNvPr id="64" name="Diagrama de flujo: conector 63">
+            <a:extLst>
+              <a:ext uri="{FF2B5EF4-FFF2-40B4-BE49-F238E27FC236}">
+                <a16:creationId xmlns:a16="http://schemas.microsoft.com/office/drawing/2014/main" id="{53A1714A-2359-43E6-BCB3-78CC0D90C999}"/>
+              </a:ext>
+            </a:extLst>
+          </p:cNvPr>
+          <p:cNvSpPr/>
+          <p:nvPr/>
+        </p:nvSpPr>
+        <p:spPr>
+          <a:xfrm>
+            <a:off x="7138119" y="1002082"/>
+            <a:ext cx="1909010" cy="602454"/>
+          </a:xfrm>
+          <a:prstGeom prst="flowChartConnector">
+            <a:avLst/>
+          </a:prstGeom>
+          <a:solidFill>
+            <a:schemeClr val="accent5">
+              <a:lumMod val="60000"/>
+              <a:lumOff val="40000"/>
+            </a:schemeClr>
+          </a:solidFill>
+        </p:spPr>
+        <p:style>
+          <a:lnRef idx="2">
+            <a:schemeClr val="dk1"/>
+          </a:lnRef>
+          <a:fillRef idx="1">
+            <a:schemeClr val="lt1"/>
+          </a:fillRef>
+          <a:effectRef idx="0">
+            <a:schemeClr val="dk1"/>
+          </a:effectRef>
+          <a:fontRef idx="minor">
+            <a:schemeClr val="dk1"/>
+          </a:fontRef>
+        </p:style>
+        <p:txBody>
+          <a:bodyPr rtlCol="0" anchor="ctr"/>
+          <a:lstStyle/>
+          <a:p>
+            <a:pPr algn="ctr"/>
+            <a:r>
+              <a:rPr lang="es-ES" dirty="0"/>
+              <a:t>Registrar Cliente</a:t>
+            </a:r>
+            <a:endParaRPr lang="es-VE" dirty="0"/>
+          </a:p>
+        </p:txBody>
+      </p:sp>
+      <p:cxnSp>
+        <p:nvCxnSpPr>
+          <p:cNvPr id="66" name="Conector recto de flecha 65">
+            <a:extLst>
+              <a:ext uri="{FF2B5EF4-FFF2-40B4-BE49-F238E27FC236}">
+                <a16:creationId xmlns:a16="http://schemas.microsoft.com/office/drawing/2014/main" id="{A942E171-8F0C-42ED-9AF0-21AF38EC7E7F}"/>
+              </a:ext>
+            </a:extLst>
+          </p:cNvPr>
+          <p:cNvCxnSpPr>
+            <a:stCxn id="46" idx="7"/>
+            <a:endCxn id="64" idx="4"/>
+          </p:cNvCxnSpPr>
+          <p:nvPr/>
+        </p:nvCxnSpPr>
+        <p:spPr>
+          <a:xfrm flipV="1">
+            <a:off x="7753666" y="1604536"/>
+            <a:ext cx="338958" cy="435264"/>
           </a:xfrm>
           <a:prstGeom prst="straightConnector1">
             <a:avLst/>
@@ -8694,8 +9424,8 @@
         </p:nvSpPr>
         <p:spPr>
           <a:xfrm>
-            <a:off x="1931987" y="1147362"/>
-            <a:ext cx="2494239" cy="4231105"/>
+            <a:off x="1931987" y="644834"/>
+            <a:ext cx="2494239" cy="5807994"/>
           </a:xfrm>
           <a:prstGeom prst="ellipse">
             <a:avLst/>
@@ -8722,8 +9452,49 @@
             <a:pPr algn="ctr"/>
             <a:r>
               <a:rPr lang="es-ES" dirty="0"/>
+              <a:t>Iniciar Sesión</a:t>
+            </a:r>
+          </a:p>
+          <a:p>
+            <a:pPr algn="ctr"/>
+            <a:endParaRPr lang="es-ES" dirty="0"/>
+          </a:p>
+          <a:p>
+            <a:pPr algn="ctr"/>
+            <a:r>
+              <a:rPr lang="es-ES" dirty="0"/>
               <a:t>Mostrar Menú</a:t>
             </a:r>
+          </a:p>
+          <a:p>
+            <a:pPr algn="ctr"/>
+            <a:endParaRPr lang="es-ES" dirty="0"/>
+          </a:p>
+          <a:p>
+            <a:pPr algn="ctr"/>
+            <a:endParaRPr lang="es-ES" dirty="0"/>
+          </a:p>
+          <a:p>
+            <a:pPr algn="ctr"/>
+            <a:r>
+              <a:rPr lang="es-ES" dirty="0"/>
+              <a:t>Ordenes</a:t>
+            </a:r>
+          </a:p>
+          <a:p>
+            <a:pPr algn="ctr"/>
+            <a:endParaRPr lang="es-ES" dirty="0"/>
+          </a:p>
+          <a:p>
+            <a:pPr algn="ctr"/>
+            <a:r>
+              <a:rPr lang="es-ES" dirty="0"/>
+              <a:t>Registrar Orden</a:t>
+            </a:r>
+          </a:p>
+          <a:p>
+            <a:pPr algn="ctr"/>
+            <a:endParaRPr lang="es-ES" dirty="0"/>
           </a:p>
           <a:p>
             <a:pPr algn="ctr"/>
@@ -8732,6 +9503,28 @@
               <a:t>Pedidos</a:t>
             </a:r>
           </a:p>
+          <a:p>
+            <a:pPr algn="ctr"/>
+            <a:endParaRPr lang="es-ES" dirty="0"/>
+          </a:p>
+          <a:p>
+            <a:pPr algn="ctr"/>
+            <a:r>
+              <a:rPr lang="es-ES" dirty="0"/>
+              <a:t>Registrar  Pedidos</a:t>
+            </a:r>
+          </a:p>
+          <a:p>
+            <a:pPr algn="ctr"/>
+            <a:endParaRPr lang="es-ES" dirty="0"/>
+          </a:p>
+          <a:p>
+            <a:pPr algn="ctr"/>
+            <a:r>
+              <a:rPr lang="es-ES" dirty="0"/>
+              <a:t>Cerrar Sesión </a:t>
+            </a:r>
+          </a:p>
         </p:txBody>
       </p:sp>
       <p:sp>
@@ -8749,7 +9542,7 @@
         <p:spPr>
           <a:xfrm>
             <a:off x="107590" y="3885829"/>
-            <a:ext cx="1286157" cy="923330"/>
+            <a:ext cx="1429662" cy="1200329"/>
           </a:xfrm>
           <a:prstGeom prst="rect">
             <a:avLst/>
@@ -8766,6 +9559,13 @@
             <a:r>
               <a:rPr lang="es-ES" dirty="0"/>
               <a:t>encargado de Tomar Ordenes</a:t>
+            </a:r>
+          </a:p>
+          <a:p>
+            <a:pPr algn="ctr"/>
+            <a:r>
+              <a:rPr lang="es-ES" dirty="0"/>
+              <a:t>“Recepción”</a:t>
             </a:r>
             <a:endParaRPr lang="es-VE" dirty="0"/>
           </a:p>
@@ -8832,7 +9632,7 @@
         </p:nvSpPr>
         <p:spPr>
           <a:xfrm>
-            <a:off x="8653050" y="249447"/>
+            <a:off x="5479302" y="2468208"/>
             <a:ext cx="1497496" cy="543339"/>
           </a:xfrm>
           <a:prstGeom prst="ellipse">
@@ -8866,55 +9666,12 @@
           </a:p>
         </p:txBody>
       </p:sp>
-      <p:cxnSp>
-        <p:nvCxnSpPr>
-          <p:cNvPr id="12" name="Conector recto de flecha 11">
-            <a:extLst>
-              <a:ext uri="{FF2B5EF4-FFF2-40B4-BE49-F238E27FC236}">
-                <a16:creationId xmlns:a16="http://schemas.microsoft.com/office/drawing/2014/main" id="{DDBDA5D5-5F6E-411E-A434-085D415FABB3}"/>
-              </a:ext>
-            </a:extLst>
-          </p:cNvPr>
-          <p:cNvCxnSpPr>
-            <a:cxnSpLocks/>
-            <a:stCxn id="76" idx="7"/>
-            <a:endCxn id="36" idx="2"/>
-          </p:cNvCxnSpPr>
-          <p:nvPr/>
-        </p:nvCxnSpPr>
-        <p:spPr>
-          <a:xfrm>
-            <a:off x="6059039" y="5277796"/>
-            <a:ext cx="675999" cy="172911"/>
-          </a:xfrm>
-          <a:prstGeom prst="straightConnector1">
-            <a:avLst/>
-          </a:prstGeom>
-          <a:ln>
-            <a:tailEnd type="triangle"/>
-          </a:ln>
-        </p:spPr>
-        <p:style>
-          <a:lnRef idx="1">
-            <a:schemeClr val="dk1"/>
-          </a:lnRef>
-          <a:fillRef idx="0">
-            <a:schemeClr val="dk1"/>
-          </a:fillRef>
-          <a:effectRef idx="0">
-            <a:schemeClr val="dk1"/>
-          </a:effectRef>
-          <a:fontRef idx="minor">
-            <a:schemeClr val="tx1"/>
-          </a:fontRef>
-        </p:style>
-      </p:cxnSp>
-      <p:sp>
-        <p:nvSpPr>
-          <p:cNvPr id="36" name="Elipse 35">
-            <a:extLst>
-              <a:ext uri="{FF2B5EF4-FFF2-40B4-BE49-F238E27FC236}">
-                <a16:creationId xmlns:a16="http://schemas.microsoft.com/office/drawing/2014/main" id="{18C18A62-9329-497D-9C74-6D1A1FAC4D59}"/>
+      <p:sp>
+        <p:nvSpPr>
+          <p:cNvPr id="40" name="Elipse 39">
+            <a:extLst>
+              <a:ext uri="{FF2B5EF4-FFF2-40B4-BE49-F238E27FC236}">
+                <a16:creationId xmlns:a16="http://schemas.microsoft.com/office/drawing/2014/main" id="{F5453016-3A18-41BE-A3D5-CB93EFD30BD7}"/>
               </a:ext>
             </a:extLst>
           </p:cNvPr>
@@ -8923,7 +9680,7 @@
         </p:nvSpPr>
         <p:spPr>
           <a:xfrm>
-            <a:off x="6735038" y="5179037"/>
+            <a:off x="4549106" y="749350"/>
             <a:ext cx="1497496" cy="543339"/>
           </a:xfrm>
           <a:prstGeom prst="ellipse">
@@ -8951,54 +9708,6 @@
             <a:pPr algn="ctr"/>
             <a:r>
               <a:rPr lang="es-ES" dirty="0"/>
-              <a:t>Eliminar</a:t>
-            </a:r>
-            <a:endParaRPr lang="es-VE" dirty="0"/>
-          </a:p>
-        </p:txBody>
-      </p:sp>
-      <p:sp>
-        <p:nvSpPr>
-          <p:cNvPr id="40" name="Elipse 39">
-            <a:extLst>
-              <a:ext uri="{FF2B5EF4-FFF2-40B4-BE49-F238E27FC236}">
-                <a16:creationId xmlns:a16="http://schemas.microsoft.com/office/drawing/2014/main" id="{F5453016-3A18-41BE-A3D5-CB93EFD30BD7}"/>
-              </a:ext>
-            </a:extLst>
-          </p:cNvPr>
-          <p:cNvSpPr/>
-          <p:nvPr/>
-        </p:nvSpPr>
-        <p:spPr>
-          <a:xfrm>
-            <a:off x="3842881" y="774264"/>
-            <a:ext cx="1497496" cy="543339"/>
-          </a:xfrm>
-          <a:prstGeom prst="ellipse">
-            <a:avLst/>
-          </a:prstGeom>
-        </p:spPr>
-        <p:style>
-          <a:lnRef idx="2">
-            <a:schemeClr val="dk1"/>
-          </a:lnRef>
-          <a:fillRef idx="1">
-            <a:schemeClr val="lt1"/>
-          </a:fillRef>
-          <a:effectRef idx="0">
-            <a:schemeClr val="dk1"/>
-          </a:effectRef>
-          <a:fontRef idx="minor">
-            <a:schemeClr val="dk1"/>
-          </a:fontRef>
-        </p:style>
-        <p:txBody>
-          <a:bodyPr rtlCol="0" anchor="ctr"/>
-          <a:lstStyle/>
-          <a:p>
-            <a:pPr algn="ctr"/>
-            <a:r>
-              <a:rPr lang="es-ES" dirty="0"/>
               <a:t>Mostrar Menú</a:t>
             </a:r>
             <a:endParaRPr lang="es-VE" dirty="0"/>
@@ -9022,9 +9731,9 @@
           <p:nvPr/>
         </p:nvCxnSpPr>
         <p:spPr>
-          <a:xfrm flipH="1" flipV="1">
-            <a:off x="3842881" y="1045934"/>
-            <a:ext cx="218072" cy="721059"/>
+          <a:xfrm flipV="1">
+            <a:off x="4060953" y="1021020"/>
+            <a:ext cx="488153" cy="474375"/>
           </a:xfrm>
           <a:prstGeom prst="straightConnector1">
             <a:avLst/>
@@ -9065,7 +9774,7 @@
         </p:nvCxnSpPr>
         <p:spPr>
           <a:xfrm flipV="1">
-            <a:off x="5121074" y="669747"/>
+            <a:off x="5827299" y="644833"/>
             <a:ext cx="438606" cy="184087"/>
           </a:xfrm>
           <a:prstGeom prst="straightConnector1">
@@ -9084,549 +9793,6 @@
           </a:fillRef>
           <a:effectRef idx="0">
             <a:schemeClr val="dk1"/>
-          </a:effectRef>
-          <a:fontRef idx="minor">
-            <a:schemeClr val="tx1"/>
-          </a:fontRef>
-        </p:style>
-      </p:cxnSp>
-      <p:sp>
-        <p:nvSpPr>
-          <p:cNvPr id="53" name="Elipse 52">
-            <a:extLst>
-              <a:ext uri="{FF2B5EF4-FFF2-40B4-BE49-F238E27FC236}">
-                <a16:creationId xmlns:a16="http://schemas.microsoft.com/office/drawing/2014/main" id="{745ADD1D-8776-45B0-83B4-E5CFBB5C85DB}"/>
-              </a:ext>
-            </a:extLst>
-          </p:cNvPr>
-          <p:cNvSpPr/>
-          <p:nvPr/>
-        </p:nvSpPr>
-        <p:spPr>
-          <a:xfrm>
-            <a:off x="6697144" y="5968828"/>
-            <a:ext cx="1575890" cy="543339"/>
-          </a:xfrm>
-          <a:prstGeom prst="ellipse">
-            <a:avLst/>
-          </a:prstGeom>
-        </p:spPr>
-        <p:style>
-          <a:lnRef idx="2">
-            <a:schemeClr val="dk1"/>
-          </a:lnRef>
-          <a:fillRef idx="1">
-            <a:schemeClr val="lt1"/>
-          </a:fillRef>
-          <a:effectRef idx="0">
-            <a:schemeClr val="dk1"/>
-          </a:effectRef>
-          <a:fontRef idx="minor">
-            <a:schemeClr val="dk1"/>
-          </a:fontRef>
-        </p:style>
-        <p:txBody>
-          <a:bodyPr rtlCol="0" anchor="ctr"/>
-          <a:lstStyle/>
-          <a:p>
-            <a:pPr algn="ctr"/>
-            <a:r>
-              <a:rPr lang="es-ES" dirty="0"/>
-              <a:t>Modificar</a:t>
-            </a:r>
-            <a:endParaRPr lang="es-VE" dirty="0"/>
-          </a:p>
-        </p:txBody>
-      </p:sp>
-      <p:cxnSp>
-        <p:nvCxnSpPr>
-          <p:cNvPr id="55" name="Conector recto de flecha 54">
-            <a:extLst>
-              <a:ext uri="{FF2B5EF4-FFF2-40B4-BE49-F238E27FC236}">
-                <a16:creationId xmlns:a16="http://schemas.microsoft.com/office/drawing/2014/main" id="{D1709BAC-50ED-48CE-BD36-B9A08ACDB1FB}"/>
-              </a:ext>
-            </a:extLst>
-          </p:cNvPr>
-          <p:cNvCxnSpPr>
-            <a:cxnSpLocks/>
-            <a:stCxn id="76" idx="5"/>
-            <a:endCxn id="53" idx="2"/>
-          </p:cNvCxnSpPr>
-          <p:nvPr/>
-        </p:nvCxnSpPr>
-        <p:spPr>
-          <a:xfrm>
-            <a:off x="6059039" y="5945459"/>
-            <a:ext cx="638105" cy="295039"/>
-          </a:xfrm>
-          <a:prstGeom prst="straightConnector1">
-            <a:avLst/>
-          </a:prstGeom>
-          <a:ln>
-            <a:tailEnd type="triangle"/>
-          </a:ln>
-        </p:spPr>
-        <p:style>
-          <a:lnRef idx="1">
-            <a:schemeClr val="dk1"/>
-          </a:lnRef>
-          <a:fillRef idx="0">
-            <a:schemeClr val="dk1"/>
-          </a:fillRef>
-          <a:effectRef idx="0">
-            <a:schemeClr val="dk1"/>
-          </a:effectRef>
-          <a:fontRef idx="minor">
-            <a:schemeClr val="tx1"/>
-          </a:fontRef>
-        </p:style>
-      </p:cxnSp>
-      <p:sp>
-        <p:nvSpPr>
-          <p:cNvPr id="68" name="Elipse 67">
-            <a:extLst>
-              <a:ext uri="{FF2B5EF4-FFF2-40B4-BE49-F238E27FC236}">
-                <a16:creationId xmlns:a16="http://schemas.microsoft.com/office/drawing/2014/main" id="{0CD15FF7-DB31-4E76-8BC2-63C70B0B9D39}"/>
-              </a:ext>
-            </a:extLst>
-          </p:cNvPr>
-          <p:cNvSpPr/>
-          <p:nvPr/>
-        </p:nvSpPr>
-        <p:spPr>
-          <a:xfrm>
-            <a:off x="10694504" y="87929"/>
-            <a:ext cx="1497496" cy="543339"/>
-          </a:xfrm>
-          <a:prstGeom prst="ellipse">
-            <a:avLst/>
-          </a:prstGeom>
-        </p:spPr>
-        <p:style>
-          <a:lnRef idx="2">
-            <a:schemeClr val="dk1"/>
-          </a:lnRef>
-          <a:fillRef idx="1">
-            <a:schemeClr val="lt1"/>
-          </a:fillRef>
-          <a:effectRef idx="0">
-            <a:schemeClr val="dk1"/>
-          </a:effectRef>
-          <a:fontRef idx="minor">
-            <a:schemeClr val="dk1"/>
-          </a:fontRef>
-        </p:style>
-        <p:txBody>
-          <a:bodyPr rtlCol="0" anchor="ctr"/>
-          <a:lstStyle/>
-          <a:p>
-            <a:pPr algn="ctr"/>
-            <a:r>
-              <a:rPr lang="es-ES" dirty="0"/>
-              <a:t>Registrar Cliente</a:t>
-            </a:r>
-            <a:endParaRPr lang="es-VE" dirty="0"/>
-          </a:p>
-        </p:txBody>
-      </p:sp>
-      <p:cxnSp>
-        <p:nvCxnSpPr>
-          <p:cNvPr id="70" name="Conector recto de flecha 69">
-            <a:extLst>
-              <a:ext uri="{FF2B5EF4-FFF2-40B4-BE49-F238E27FC236}">
-                <a16:creationId xmlns:a16="http://schemas.microsoft.com/office/drawing/2014/main" id="{821431DA-C630-4EC9-87EE-20296B5C1242}"/>
-              </a:ext>
-            </a:extLst>
-          </p:cNvPr>
-          <p:cNvCxnSpPr>
-            <a:stCxn id="8" idx="6"/>
-            <a:endCxn id="68" idx="2"/>
-          </p:cNvCxnSpPr>
-          <p:nvPr/>
-        </p:nvCxnSpPr>
-        <p:spPr>
-          <a:xfrm flipV="1">
-            <a:off x="10150546" y="359599"/>
-            <a:ext cx="543958" cy="161518"/>
-          </a:xfrm>
-          <a:prstGeom prst="straightConnector1">
-            <a:avLst/>
-          </a:prstGeom>
-          <a:ln>
-            <a:tailEnd type="triangle"/>
-          </a:ln>
-        </p:spPr>
-        <p:style>
-          <a:lnRef idx="1">
-            <a:schemeClr val="dk1"/>
-          </a:lnRef>
-          <a:fillRef idx="0">
-            <a:schemeClr val="dk1"/>
-          </a:fillRef>
-          <a:effectRef idx="0">
-            <a:schemeClr val="dk1"/>
-          </a:effectRef>
-          <a:fontRef idx="minor">
-            <a:schemeClr val="tx1"/>
-          </a:fontRef>
-        </p:style>
-      </p:cxnSp>
-      <p:sp>
-        <p:nvSpPr>
-          <p:cNvPr id="74" name="CuadroTexto 73">
-            <a:extLst>
-              <a:ext uri="{FF2B5EF4-FFF2-40B4-BE49-F238E27FC236}">
-                <a16:creationId xmlns:a16="http://schemas.microsoft.com/office/drawing/2014/main" id="{F5E4EB6D-EF1D-4627-9212-561CBFF83282}"/>
-              </a:ext>
-            </a:extLst>
-          </p:cNvPr>
-          <p:cNvSpPr txBox="1"/>
-          <p:nvPr/>
-        </p:nvSpPr>
-        <p:spPr>
-          <a:xfrm>
-            <a:off x="9574474" y="-83042"/>
-            <a:ext cx="1291892" cy="369332"/>
-          </a:xfrm>
-          <a:prstGeom prst="rect">
-            <a:avLst/>
-          </a:prstGeom>
-          <a:noFill/>
-        </p:spPr>
-        <p:txBody>
-          <a:bodyPr wrap="none" rtlCol="0">
-            <a:spAutoFit/>
-          </a:bodyPr>
-          <a:lstStyle/>
-          <a:p>
-            <a:r>
-              <a:rPr lang="es-ES" dirty="0"/>
-              <a:t>&lt;&lt;</a:t>
-            </a:r>
-            <a:r>
-              <a:rPr lang="es-ES" dirty="0" err="1"/>
-              <a:t>extend</a:t>
-            </a:r>
-            <a:r>
-              <a:rPr lang="es-ES" dirty="0"/>
-              <a:t>&gt;&gt;</a:t>
-            </a:r>
-            <a:endParaRPr lang="es-VE" dirty="0"/>
-          </a:p>
-        </p:txBody>
-      </p:sp>
-      <p:sp>
-        <p:nvSpPr>
-          <p:cNvPr id="76" name="Elipse 75">
-            <a:extLst>
-              <a:ext uri="{FF2B5EF4-FFF2-40B4-BE49-F238E27FC236}">
-                <a16:creationId xmlns:a16="http://schemas.microsoft.com/office/drawing/2014/main" id="{8CFAE743-5867-4F6A-92A4-62DF9D54759E}"/>
-              </a:ext>
-            </a:extLst>
-          </p:cNvPr>
-          <p:cNvSpPr/>
-          <p:nvPr/>
-        </p:nvSpPr>
-        <p:spPr>
-          <a:xfrm>
-            <a:off x="4324036" y="5139519"/>
-            <a:ext cx="2032682" cy="944217"/>
-          </a:xfrm>
-          <a:prstGeom prst="ellipse">
-            <a:avLst/>
-          </a:prstGeom>
-        </p:spPr>
-        <p:style>
-          <a:lnRef idx="2">
-            <a:schemeClr val="dk1"/>
-          </a:lnRef>
-          <a:fillRef idx="1">
-            <a:schemeClr val="lt1"/>
-          </a:fillRef>
-          <a:effectRef idx="0">
-            <a:schemeClr val="dk1"/>
-          </a:effectRef>
-          <a:fontRef idx="minor">
-            <a:schemeClr val="dk1"/>
-          </a:fontRef>
-        </p:style>
-        <p:txBody>
-          <a:bodyPr rtlCol="0" anchor="ctr"/>
-          <a:lstStyle/>
-          <a:p>
-            <a:pPr algn="ctr"/>
-            <a:r>
-              <a:rPr lang="es-ES" dirty="0"/>
-              <a:t>Mostrar Lista De Pedidos</a:t>
-            </a:r>
-            <a:endParaRPr lang="es-VE" dirty="0"/>
-          </a:p>
-        </p:txBody>
-      </p:sp>
-      <p:cxnSp>
-        <p:nvCxnSpPr>
-          <p:cNvPr id="82" name="Conector recto de flecha 81">
-            <a:extLst>
-              <a:ext uri="{FF2B5EF4-FFF2-40B4-BE49-F238E27FC236}">
-                <a16:creationId xmlns:a16="http://schemas.microsoft.com/office/drawing/2014/main" id="{F449CC71-F9A3-422B-A6A6-5EB56289B710}"/>
-              </a:ext>
-            </a:extLst>
-          </p:cNvPr>
-          <p:cNvCxnSpPr>
-            <a:stCxn id="5" idx="5"/>
-            <a:endCxn id="76" idx="2"/>
-          </p:cNvCxnSpPr>
-          <p:nvPr/>
-        </p:nvCxnSpPr>
-        <p:spPr>
-          <a:xfrm>
-            <a:off x="4060953" y="4758836"/>
-            <a:ext cx="263083" cy="852792"/>
-          </a:xfrm>
-          <a:prstGeom prst="straightConnector1">
-            <a:avLst/>
-          </a:prstGeom>
-          <a:ln>
-            <a:tailEnd type="triangle"/>
-          </a:ln>
-        </p:spPr>
-        <p:style>
-          <a:lnRef idx="1">
-            <a:schemeClr val="dk1"/>
-          </a:lnRef>
-          <a:fillRef idx="0">
-            <a:schemeClr val="dk1"/>
-          </a:fillRef>
-          <a:effectRef idx="0">
-            <a:schemeClr val="dk1"/>
-          </a:effectRef>
-          <a:fontRef idx="minor">
-            <a:schemeClr val="tx1"/>
-          </a:fontRef>
-        </p:style>
-      </p:cxnSp>
-      <p:sp>
-        <p:nvSpPr>
-          <p:cNvPr id="24" name="Elipse 23">
-            <a:extLst>
-              <a:ext uri="{FF2B5EF4-FFF2-40B4-BE49-F238E27FC236}">
-                <a16:creationId xmlns:a16="http://schemas.microsoft.com/office/drawing/2014/main" id="{3AE13C5D-9C99-4909-85FA-4D7DB1BC1A1F}"/>
-              </a:ext>
-            </a:extLst>
-          </p:cNvPr>
-          <p:cNvSpPr/>
-          <p:nvPr/>
-        </p:nvSpPr>
-        <p:spPr>
-          <a:xfrm>
-            <a:off x="5559680" y="391595"/>
-            <a:ext cx="1497496" cy="543339"/>
-          </a:xfrm>
-          <a:prstGeom prst="ellipse">
-            <a:avLst/>
-          </a:prstGeom>
-        </p:spPr>
-        <p:style>
-          <a:lnRef idx="2">
-            <a:schemeClr val="dk1"/>
-          </a:lnRef>
-          <a:fillRef idx="1">
-            <a:schemeClr val="lt1"/>
-          </a:fillRef>
-          <a:effectRef idx="0">
-            <a:schemeClr val="dk1"/>
-          </a:effectRef>
-          <a:fontRef idx="minor">
-            <a:schemeClr val="dk1"/>
-          </a:fontRef>
-        </p:style>
-        <p:txBody>
-          <a:bodyPr rtlCol="0" anchor="ctr"/>
-          <a:lstStyle/>
-          <a:p>
-            <a:pPr algn="ctr"/>
-            <a:r>
-              <a:rPr lang="es-ES" dirty="0"/>
-              <a:t>Lista de pizzas</a:t>
-            </a:r>
-            <a:endParaRPr lang="es-VE" dirty="0"/>
-          </a:p>
-        </p:txBody>
-      </p:sp>
-      <p:sp>
-        <p:nvSpPr>
-          <p:cNvPr id="26" name="Elipse 25">
-            <a:extLst>
-              <a:ext uri="{FF2B5EF4-FFF2-40B4-BE49-F238E27FC236}">
-                <a16:creationId xmlns:a16="http://schemas.microsoft.com/office/drawing/2014/main" id="{581EEC14-E461-4A6C-8A0E-7F2D14A11589}"/>
-              </a:ext>
-            </a:extLst>
-          </p:cNvPr>
-          <p:cNvSpPr/>
-          <p:nvPr/>
-        </p:nvSpPr>
-        <p:spPr>
-          <a:xfrm>
-            <a:off x="5521825" y="1432511"/>
-            <a:ext cx="1497496" cy="543339"/>
-          </a:xfrm>
-          <a:prstGeom prst="ellipse">
-            <a:avLst/>
-          </a:prstGeom>
-        </p:spPr>
-        <p:style>
-          <a:lnRef idx="2">
-            <a:schemeClr val="dk1"/>
-          </a:lnRef>
-          <a:fillRef idx="1">
-            <a:schemeClr val="lt1"/>
-          </a:fillRef>
-          <a:effectRef idx="0">
-            <a:schemeClr val="dk1"/>
-          </a:effectRef>
-          <a:fontRef idx="minor">
-            <a:schemeClr val="dk1"/>
-          </a:fontRef>
-        </p:style>
-        <p:txBody>
-          <a:bodyPr rtlCol="0" anchor="ctr"/>
-          <a:lstStyle/>
-          <a:p>
-            <a:pPr algn="ctr"/>
-            <a:r>
-              <a:rPr lang="es-ES" dirty="0"/>
-              <a:t>Lista de bebidas</a:t>
-            </a:r>
-            <a:endParaRPr lang="es-VE" dirty="0"/>
-          </a:p>
-        </p:txBody>
-      </p:sp>
-      <p:cxnSp>
-        <p:nvCxnSpPr>
-          <p:cNvPr id="15" name="Conector recto de flecha 14">
-            <a:extLst>
-              <a:ext uri="{FF2B5EF4-FFF2-40B4-BE49-F238E27FC236}">
-                <a16:creationId xmlns:a16="http://schemas.microsoft.com/office/drawing/2014/main" id="{1AEE63B8-D386-4B69-AD78-E13D322C37D4}"/>
-              </a:ext>
-            </a:extLst>
-          </p:cNvPr>
-          <p:cNvCxnSpPr>
-            <a:stCxn id="40" idx="5"/>
-            <a:endCxn id="26" idx="2"/>
-          </p:cNvCxnSpPr>
-          <p:nvPr/>
-        </p:nvCxnSpPr>
-        <p:spPr>
-          <a:xfrm>
-            <a:off x="5121074" y="1238033"/>
-            <a:ext cx="400751" cy="466148"/>
-          </a:xfrm>
-          <a:prstGeom prst="straightConnector1">
-            <a:avLst/>
-          </a:prstGeom>
-          <a:ln>
-            <a:tailEnd type="triangle"/>
-          </a:ln>
-        </p:spPr>
-        <p:style>
-          <a:lnRef idx="1">
-            <a:schemeClr val="dk1"/>
-          </a:lnRef>
-          <a:fillRef idx="0">
-            <a:schemeClr val="dk1"/>
-          </a:fillRef>
-          <a:effectRef idx="0">
-            <a:schemeClr val="dk1"/>
-          </a:effectRef>
-          <a:fontRef idx="minor">
-            <a:schemeClr val="tx1"/>
-          </a:fontRef>
-        </p:style>
-      </p:cxnSp>
-      <p:sp>
-        <p:nvSpPr>
-          <p:cNvPr id="30" name="Elipse 29">
-            <a:extLst>
-              <a:ext uri="{FF2B5EF4-FFF2-40B4-BE49-F238E27FC236}">
-                <a16:creationId xmlns:a16="http://schemas.microsoft.com/office/drawing/2014/main" id="{D12DEF51-2EAD-4ED1-864C-726A3FCE45AA}"/>
-              </a:ext>
-            </a:extLst>
-          </p:cNvPr>
-          <p:cNvSpPr/>
-          <p:nvPr/>
-        </p:nvSpPr>
-        <p:spPr>
-          <a:xfrm>
-            <a:off x="7304983" y="889172"/>
-            <a:ext cx="1497496" cy="543339"/>
-          </a:xfrm>
-          <a:prstGeom prst="ellipse">
-            <a:avLst/>
-          </a:prstGeom>
-        </p:spPr>
-        <p:style>
-          <a:lnRef idx="2">
-            <a:schemeClr val="dk1"/>
-          </a:lnRef>
-          <a:fillRef idx="1">
-            <a:schemeClr val="lt1"/>
-          </a:fillRef>
-          <a:effectRef idx="0">
-            <a:schemeClr val="dk1"/>
-          </a:effectRef>
-          <a:fontRef idx="minor">
-            <a:schemeClr val="dk1"/>
-          </a:fontRef>
-        </p:style>
-        <p:txBody>
-          <a:bodyPr rtlCol="0" anchor="ctr"/>
-          <a:lstStyle/>
-          <a:p>
-            <a:pPr algn="ctr"/>
-            <a:r>
-              <a:rPr lang="es-ES" dirty="0"/>
-              <a:t>Confirma orden</a:t>
-            </a:r>
-            <a:endParaRPr lang="es-VE" dirty="0"/>
-          </a:p>
-        </p:txBody>
-      </p:sp>
-      <p:cxnSp>
-        <p:nvCxnSpPr>
-          <p:cNvPr id="18" name="Conector recto de flecha 17">
-            <a:extLst>
-              <a:ext uri="{FF2B5EF4-FFF2-40B4-BE49-F238E27FC236}">
-                <a16:creationId xmlns:a16="http://schemas.microsoft.com/office/drawing/2014/main" id="{9C7D6F72-8536-42C0-BE83-2A686EEC76BE}"/>
-              </a:ext>
-            </a:extLst>
-          </p:cNvPr>
-          <p:cNvCxnSpPr>
-            <a:stCxn id="24" idx="6"/>
-            <a:endCxn id="30" idx="1"/>
-          </p:cNvCxnSpPr>
-          <p:nvPr/>
-        </p:nvCxnSpPr>
-        <p:spPr>
-          <a:xfrm>
-            <a:off x="7057176" y="663265"/>
-            <a:ext cx="467110" cy="305477"/>
-          </a:xfrm>
-          <a:prstGeom prst="straightConnector1">
-            <a:avLst/>
-          </a:prstGeom>
-          <a:ln>
-            <a:tailEnd type="triangle"/>
-          </a:ln>
-        </p:spPr>
-        <p:style>
-          <a:lnRef idx="1">
-            <a:schemeClr val="accent1"/>
-          </a:lnRef>
-          <a:fillRef idx="0">
-            <a:schemeClr val="accent1"/>
-          </a:fillRef>
-          <a:effectRef idx="0">
-            <a:schemeClr val="accent1"/>
           </a:effectRef>
           <a:fontRef idx="minor">
             <a:schemeClr val="tx1"/>
@@ -9635,23 +9801,24 @@
       </p:cxnSp>
       <p:cxnSp>
         <p:nvCxnSpPr>
-          <p:cNvPr id="20" name="Conector recto de flecha 19">
-            <a:extLst>
-              <a:ext uri="{FF2B5EF4-FFF2-40B4-BE49-F238E27FC236}">
-                <a16:creationId xmlns:a16="http://schemas.microsoft.com/office/drawing/2014/main" id="{09BBECD5-D7EC-470A-8499-B2095D1B1201}"/>
+          <p:cNvPr id="55" name="Conector recto de flecha 54">
+            <a:extLst>
+              <a:ext uri="{FF2B5EF4-FFF2-40B4-BE49-F238E27FC236}">
+                <a16:creationId xmlns:a16="http://schemas.microsoft.com/office/drawing/2014/main" id="{D1709BAC-50ED-48CE-BD36-B9A08ACDB1FB}"/>
               </a:ext>
             </a:extLst>
           </p:cNvPr>
           <p:cNvCxnSpPr>
-            <a:stCxn id="26" idx="6"/>
-            <a:endCxn id="30" idx="3"/>
+            <a:cxnSpLocks/>
+            <a:stCxn id="76" idx="5"/>
+            <a:endCxn id="81" idx="2"/>
           </p:cNvCxnSpPr>
           <p:nvPr/>
         </p:nvCxnSpPr>
         <p:spPr>
-          <a:xfrm flipV="1">
-            <a:off x="7019321" y="1352941"/>
-            <a:ext cx="504965" cy="351240"/>
+          <a:xfrm>
+            <a:off x="6484173" y="6066941"/>
+            <a:ext cx="736673" cy="35137"/>
           </a:xfrm>
           <a:prstGeom prst="straightConnector1">
             <a:avLst/>
@@ -9662,13 +9829,558 @@
         </p:spPr>
         <p:style>
           <a:lnRef idx="1">
-            <a:schemeClr val="accent1"/>
+            <a:schemeClr val="dk1"/>
           </a:lnRef>
           <a:fillRef idx="0">
-            <a:schemeClr val="accent1"/>
+            <a:schemeClr val="dk1"/>
           </a:fillRef>
           <a:effectRef idx="0">
-            <a:schemeClr val="accent1"/>
+            <a:schemeClr val="dk1"/>
+          </a:effectRef>
+          <a:fontRef idx="minor">
+            <a:schemeClr val="tx1"/>
+          </a:fontRef>
+        </p:style>
+      </p:cxnSp>
+      <p:sp>
+        <p:nvSpPr>
+          <p:cNvPr id="68" name="Elipse 67">
+            <a:extLst>
+              <a:ext uri="{FF2B5EF4-FFF2-40B4-BE49-F238E27FC236}">
+                <a16:creationId xmlns:a16="http://schemas.microsoft.com/office/drawing/2014/main" id="{0CD15FF7-DB31-4E76-8BC2-63C70B0B9D39}"/>
+              </a:ext>
+            </a:extLst>
+          </p:cNvPr>
+          <p:cNvSpPr/>
+          <p:nvPr/>
+        </p:nvSpPr>
+        <p:spPr>
+          <a:xfrm>
+            <a:off x="9006224" y="2354701"/>
+            <a:ext cx="1497496" cy="543339"/>
+          </a:xfrm>
+          <a:prstGeom prst="ellipse">
+            <a:avLst/>
+          </a:prstGeom>
+        </p:spPr>
+        <p:style>
+          <a:lnRef idx="2">
+            <a:schemeClr val="dk1"/>
+          </a:lnRef>
+          <a:fillRef idx="1">
+            <a:schemeClr val="lt1"/>
+          </a:fillRef>
+          <a:effectRef idx="0">
+            <a:schemeClr val="dk1"/>
+          </a:effectRef>
+          <a:fontRef idx="minor">
+            <a:schemeClr val="dk1"/>
+          </a:fontRef>
+        </p:style>
+        <p:txBody>
+          <a:bodyPr rtlCol="0" anchor="ctr"/>
+          <a:lstStyle/>
+          <a:p>
+            <a:pPr algn="ctr"/>
+            <a:r>
+              <a:rPr lang="es-ES" dirty="0"/>
+              <a:t>Registrar Cliente</a:t>
+            </a:r>
+            <a:endParaRPr lang="es-VE" dirty="0"/>
+          </a:p>
+        </p:txBody>
+      </p:sp>
+      <p:cxnSp>
+        <p:nvCxnSpPr>
+          <p:cNvPr id="70" name="Conector recto de flecha 69">
+            <a:extLst>
+              <a:ext uri="{FF2B5EF4-FFF2-40B4-BE49-F238E27FC236}">
+                <a16:creationId xmlns:a16="http://schemas.microsoft.com/office/drawing/2014/main" id="{821431DA-C630-4EC9-87EE-20296B5C1242}"/>
+              </a:ext>
+            </a:extLst>
+          </p:cNvPr>
+          <p:cNvCxnSpPr>
+            <a:stCxn id="8" idx="6"/>
+            <a:endCxn id="68" idx="2"/>
+          </p:cNvCxnSpPr>
+          <p:nvPr/>
+        </p:nvCxnSpPr>
+        <p:spPr>
+          <a:xfrm flipV="1">
+            <a:off x="6976798" y="2626371"/>
+            <a:ext cx="2029426" cy="113507"/>
+          </a:xfrm>
+          <a:prstGeom prst="straightConnector1">
+            <a:avLst/>
+          </a:prstGeom>
+          <a:ln>
+            <a:tailEnd type="triangle"/>
+          </a:ln>
+        </p:spPr>
+        <p:style>
+          <a:lnRef idx="1">
+            <a:schemeClr val="dk1"/>
+          </a:lnRef>
+          <a:fillRef idx="0">
+            <a:schemeClr val="dk1"/>
+          </a:fillRef>
+          <a:effectRef idx="0">
+            <a:schemeClr val="dk1"/>
+          </a:effectRef>
+          <a:fontRef idx="minor">
+            <a:schemeClr val="tx1"/>
+          </a:fontRef>
+        </p:style>
+      </p:cxnSp>
+      <p:sp>
+        <p:nvSpPr>
+          <p:cNvPr id="74" name="CuadroTexto 73">
+            <a:extLst>
+              <a:ext uri="{FF2B5EF4-FFF2-40B4-BE49-F238E27FC236}">
+                <a16:creationId xmlns:a16="http://schemas.microsoft.com/office/drawing/2014/main" id="{F5E4EB6D-EF1D-4627-9212-561CBFF83282}"/>
+              </a:ext>
+            </a:extLst>
+          </p:cNvPr>
+          <p:cNvSpPr txBox="1"/>
+          <p:nvPr/>
+        </p:nvSpPr>
+        <p:spPr>
+          <a:xfrm>
+            <a:off x="7268547" y="2179132"/>
+            <a:ext cx="1291892" cy="369332"/>
+          </a:xfrm>
+          <a:prstGeom prst="rect">
+            <a:avLst/>
+          </a:prstGeom>
+          <a:noFill/>
+        </p:spPr>
+        <p:txBody>
+          <a:bodyPr wrap="none" rtlCol="0">
+            <a:spAutoFit/>
+          </a:bodyPr>
+          <a:lstStyle/>
+          <a:p>
+            <a:r>
+              <a:rPr lang="es-ES" dirty="0"/>
+              <a:t>&lt;&lt;</a:t>
+            </a:r>
+            <a:r>
+              <a:rPr lang="es-ES" dirty="0" err="1"/>
+              <a:t>extend</a:t>
+            </a:r>
+            <a:r>
+              <a:rPr lang="es-ES" dirty="0"/>
+              <a:t>&gt;&gt;</a:t>
+            </a:r>
+            <a:endParaRPr lang="es-VE" dirty="0"/>
+          </a:p>
+        </p:txBody>
+      </p:sp>
+      <p:sp>
+        <p:nvSpPr>
+          <p:cNvPr id="76" name="Elipse 75">
+            <a:extLst>
+              <a:ext uri="{FF2B5EF4-FFF2-40B4-BE49-F238E27FC236}">
+                <a16:creationId xmlns:a16="http://schemas.microsoft.com/office/drawing/2014/main" id="{8CFAE743-5867-4F6A-92A4-62DF9D54759E}"/>
+              </a:ext>
+            </a:extLst>
+          </p:cNvPr>
+          <p:cNvSpPr/>
+          <p:nvPr/>
+        </p:nvSpPr>
+        <p:spPr>
+          <a:xfrm>
+            <a:off x="5132451" y="5505092"/>
+            <a:ext cx="1583641" cy="658247"/>
+          </a:xfrm>
+          <a:prstGeom prst="ellipse">
+            <a:avLst/>
+          </a:prstGeom>
+        </p:spPr>
+        <p:style>
+          <a:lnRef idx="2">
+            <a:schemeClr val="dk1"/>
+          </a:lnRef>
+          <a:fillRef idx="1">
+            <a:schemeClr val="lt1"/>
+          </a:fillRef>
+          <a:effectRef idx="0">
+            <a:schemeClr val="dk1"/>
+          </a:effectRef>
+          <a:fontRef idx="minor">
+            <a:schemeClr val="dk1"/>
+          </a:fontRef>
+        </p:style>
+        <p:txBody>
+          <a:bodyPr rtlCol="0" anchor="ctr"/>
+          <a:lstStyle/>
+          <a:p>
+            <a:pPr algn="ctr"/>
+            <a:r>
+              <a:rPr lang="es-ES" dirty="0"/>
+              <a:t>Ver Pedidos</a:t>
+            </a:r>
+            <a:endParaRPr lang="es-VE" dirty="0"/>
+          </a:p>
+        </p:txBody>
+      </p:sp>
+      <p:cxnSp>
+        <p:nvCxnSpPr>
+          <p:cNvPr id="82" name="Conector recto de flecha 81">
+            <a:extLst>
+              <a:ext uri="{FF2B5EF4-FFF2-40B4-BE49-F238E27FC236}">
+                <a16:creationId xmlns:a16="http://schemas.microsoft.com/office/drawing/2014/main" id="{F449CC71-F9A3-422B-A6A6-5EB56289B710}"/>
+              </a:ext>
+            </a:extLst>
+          </p:cNvPr>
+          <p:cNvCxnSpPr>
+            <a:cxnSpLocks/>
+            <a:stCxn id="5" idx="5"/>
+            <a:endCxn id="76" idx="2"/>
+          </p:cNvCxnSpPr>
+          <p:nvPr/>
+        </p:nvCxnSpPr>
+        <p:spPr>
+          <a:xfrm>
+            <a:off x="4060953" y="5602267"/>
+            <a:ext cx="1071498" cy="231949"/>
+          </a:xfrm>
+          <a:prstGeom prst="straightConnector1">
+            <a:avLst/>
+          </a:prstGeom>
+          <a:ln>
+            <a:tailEnd type="triangle"/>
+          </a:ln>
+        </p:spPr>
+        <p:style>
+          <a:lnRef idx="1">
+            <a:schemeClr val="dk1"/>
+          </a:lnRef>
+          <a:fillRef idx="0">
+            <a:schemeClr val="dk1"/>
+          </a:fillRef>
+          <a:effectRef idx="0">
+            <a:schemeClr val="dk1"/>
+          </a:effectRef>
+          <a:fontRef idx="minor">
+            <a:schemeClr val="tx1"/>
+          </a:fontRef>
+        </p:style>
+      </p:cxnSp>
+      <p:sp>
+        <p:nvSpPr>
+          <p:cNvPr id="24" name="Elipse 23">
+            <a:extLst>
+              <a:ext uri="{FF2B5EF4-FFF2-40B4-BE49-F238E27FC236}">
+                <a16:creationId xmlns:a16="http://schemas.microsoft.com/office/drawing/2014/main" id="{3AE13C5D-9C99-4909-85FA-4D7DB1BC1A1F}"/>
+              </a:ext>
+            </a:extLst>
+          </p:cNvPr>
+          <p:cNvSpPr/>
+          <p:nvPr/>
+        </p:nvSpPr>
+        <p:spPr>
+          <a:xfrm>
+            <a:off x="6265905" y="366681"/>
+            <a:ext cx="1497496" cy="543339"/>
+          </a:xfrm>
+          <a:prstGeom prst="ellipse">
+            <a:avLst/>
+          </a:prstGeom>
+        </p:spPr>
+        <p:style>
+          <a:lnRef idx="2">
+            <a:schemeClr val="dk1"/>
+          </a:lnRef>
+          <a:fillRef idx="1">
+            <a:schemeClr val="lt1"/>
+          </a:fillRef>
+          <a:effectRef idx="0">
+            <a:schemeClr val="dk1"/>
+          </a:effectRef>
+          <a:fontRef idx="minor">
+            <a:schemeClr val="dk1"/>
+          </a:fontRef>
+        </p:style>
+        <p:txBody>
+          <a:bodyPr rtlCol="0" anchor="ctr"/>
+          <a:lstStyle/>
+          <a:p>
+            <a:pPr algn="ctr"/>
+            <a:r>
+              <a:rPr lang="es-ES" dirty="0"/>
+              <a:t>Lista de pizzas</a:t>
+            </a:r>
+            <a:endParaRPr lang="es-VE" dirty="0"/>
+          </a:p>
+        </p:txBody>
+      </p:sp>
+      <p:sp>
+        <p:nvSpPr>
+          <p:cNvPr id="26" name="Elipse 25">
+            <a:extLst>
+              <a:ext uri="{FF2B5EF4-FFF2-40B4-BE49-F238E27FC236}">
+                <a16:creationId xmlns:a16="http://schemas.microsoft.com/office/drawing/2014/main" id="{581EEC14-E461-4A6C-8A0E-7F2D14A11589}"/>
+              </a:ext>
+            </a:extLst>
+          </p:cNvPr>
+          <p:cNvSpPr/>
+          <p:nvPr/>
+        </p:nvSpPr>
+        <p:spPr>
+          <a:xfrm>
+            <a:off x="6228050" y="1407597"/>
+            <a:ext cx="1497496" cy="543339"/>
+          </a:xfrm>
+          <a:prstGeom prst="ellipse">
+            <a:avLst/>
+          </a:prstGeom>
+        </p:spPr>
+        <p:style>
+          <a:lnRef idx="2">
+            <a:schemeClr val="dk1"/>
+          </a:lnRef>
+          <a:fillRef idx="1">
+            <a:schemeClr val="lt1"/>
+          </a:fillRef>
+          <a:effectRef idx="0">
+            <a:schemeClr val="dk1"/>
+          </a:effectRef>
+          <a:fontRef idx="minor">
+            <a:schemeClr val="dk1"/>
+          </a:fontRef>
+        </p:style>
+        <p:txBody>
+          <a:bodyPr rtlCol="0" anchor="ctr"/>
+          <a:lstStyle/>
+          <a:p>
+            <a:pPr algn="ctr"/>
+            <a:r>
+              <a:rPr lang="es-ES" dirty="0"/>
+              <a:t>Lista de bebidas</a:t>
+            </a:r>
+            <a:endParaRPr lang="es-VE" dirty="0"/>
+          </a:p>
+        </p:txBody>
+      </p:sp>
+      <p:cxnSp>
+        <p:nvCxnSpPr>
+          <p:cNvPr id="15" name="Conector recto de flecha 14">
+            <a:extLst>
+              <a:ext uri="{FF2B5EF4-FFF2-40B4-BE49-F238E27FC236}">
+                <a16:creationId xmlns:a16="http://schemas.microsoft.com/office/drawing/2014/main" id="{1AEE63B8-D386-4B69-AD78-E13D322C37D4}"/>
+              </a:ext>
+            </a:extLst>
+          </p:cNvPr>
+          <p:cNvCxnSpPr>
+            <a:stCxn id="40" idx="5"/>
+            <a:endCxn id="26" idx="2"/>
+          </p:cNvCxnSpPr>
+          <p:nvPr/>
+        </p:nvCxnSpPr>
+        <p:spPr>
+          <a:xfrm>
+            <a:off x="5827299" y="1213119"/>
+            <a:ext cx="400751" cy="466148"/>
+          </a:xfrm>
+          <a:prstGeom prst="straightConnector1">
+            <a:avLst/>
+          </a:prstGeom>
+          <a:ln>
+            <a:tailEnd type="triangle"/>
+          </a:ln>
+        </p:spPr>
+        <p:style>
+          <a:lnRef idx="1">
+            <a:schemeClr val="dk1"/>
+          </a:lnRef>
+          <a:fillRef idx="0">
+            <a:schemeClr val="dk1"/>
+          </a:fillRef>
+          <a:effectRef idx="0">
+            <a:schemeClr val="dk1"/>
+          </a:effectRef>
+          <a:fontRef idx="minor">
+            <a:schemeClr val="tx1"/>
+          </a:fontRef>
+        </p:style>
+      </p:cxnSp>
+      <p:sp>
+        <p:nvSpPr>
+          <p:cNvPr id="57" name="Elipse 56">
+            <a:extLst>
+              <a:ext uri="{FF2B5EF4-FFF2-40B4-BE49-F238E27FC236}">
+                <a16:creationId xmlns:a16="http://schemas.microsoft.com/office/drawing/2014/main" id="{CDAFA28D-33C2-42DA-B005-1865368E3821}"/>
+              </a:ext>
+            </a:extLst>
+          </p:cNvPr>
+          <p:cNvSpPr/>
+          <p:nvPr/>
+        </p:nvSpPr>
+        <p:spPr>
+          <a:xfrm>
+            <a:off x="4706451" y="3845301"/>
+            <a:ext cx="1497496" cy="543339"/>
+          </a:xfrm>
+          <a:prstGeom prst="ellipse">
+            <a:avLst/>
+          </a:prstGeom>
+        </p:spPr>
+        <p:style>
+          <a:lnRef idx="2">
+            <a:schemeClr val="dk1"/>
+          </a:lnRef>
+          <a:fillRef idx="1">
+            <a:schemeClr val="lt1"/>
+          </a:fillRef>
+          <a:effectRef idx="0">
+            <a:schemeClr val="dk1"/>
+          </a:effectRef>
+          <a:fontRef idx="minor">
+            <a:schemeClr val="dk1"/>
+          </a:fontRef>
+        </p:style>
+        <p:txBody>
+          <a:bodyPr rtlCol="0" anchor="ctr"/>
+          <a:lstStyle/>
+          <a:p>
+            <a:pPr algn="ctr"/>
+            <a:r>
+              <a:rPr lang="es-ES" dirty="0"/>
+              <a:t>Ver Ordenes</a:t>
+            </a:r>
+            <a:endParaRPr lang="es-VE" dirty="0"/>
+          </a:p>
+        </p:txBody>
+      </p:sp>
+      <p:cxnSp>
+        <p:nvCxnSpPr>
+          <p:cNvPr id="16" name="Conector recto de flecha 15">
+            <a:extLst>
+              <a:ext uri="{FF2B5EF4-FFF2-40B4-BE49-F238E27FC236}">
+                <a16:creationId xmlns:a16="http://schemas.microsoft.com/office/drawing/2014/main" id="{1C9E87D9-7B7F-4F3A-861D-0C819F126492}"/>
+              </a:ext>
+            </a:extLst>
+          </p:cNvPr>
+          <p:cNvCxnSpPr>
+            <a:cxnSpLocks/>
+            <a:stCxn id="57" idx="6"/>
+            <a:endCxn id="41" idx="2"/>
+          </p:cNvCxnSpPr>
+          <p:nvPr/>
+        </p:nvCxnSpPr>
+        <p:spPr>
+          <a:xfrm flipV="1">
+            <a:off x="6203947" y="3723984"/>
+            <a:ext cx="171677" cy="392987"/>
+          </a:xfrm>
+          <a:prstGeom prst="straightConnector1">
+            <a:avLst/>
+          </a:prstGeom>
+          <a:ln>
+            <a:tailEnd type="triangle"/>
+          </a:ln>
+        </p:spPr>
+        <p:style>
+          <a:lnRef idx="1">
+            <a:schemeClr val="dk1"/>
+          </a:lnRef>
+          <a:fillRef idx="0">
+            <a:schemeClr val="dk1"/>
+          </a:fillRef>
+          <a:effectRef idx="0">
+            <a:schemeClr val="dk1"/>
+          </a:effectRef>
+          <a:fontRef idx="minor">
+            <a:schemeClr val="tx1"/>
+          </a:fontRef>
+        </p:style>
+      </p:cxnSp>
+      <p:sp>
+        <p:nvSpPr>
+          <p:cNvPr id="41" name="Elipse 40">
+            <a:extLst>
+              <a:ext uri="{FF2B5EF4-FFF2-40B4-BE49-F238E27FC236}">
+                <a16:creationId xmlns:a16="http://schemas.microsoft.com/office/drawing/2014/main" id="{11D31D78-38A0-49E3-8F21-EFFB0171AA5B}"/>
+              </a:ext>
+            </a:extLst>
+          </p:cNvPr>
+          <p:cNvSpPr/>
+          <p:nvPr/>
+        </p:nvSpPr>
+        <p:spPr>
+          <a:xfrm>
+            <a:off x="6375624" y="3452314"/>
+            <a:ext cx="1896049" cy="543339"/>
+          </a:xfrm>
+          <a:prstGeom prst="ellipse">
+            <a:avLst/>
+          </a:prstGeom>
+        </p:spPr>
+        <p:style>
+          <a:lnRef idx="2">
+            <a:schemeClr val="dk1"/>
+          </a:lnRef>
+          <a:fillRef idx="1">
+            <a:schemeClr val="lt1"/>
+          </a:fillRef>
+          <a:effectRef idx="0">
+            <a:schemeClr val="dk1"/>
+          </a:effectRef>
+          <a:fontRef idx="minor">
+            <a:schemeClr val="dk1"/>
+          </a:fontRef>
+        </p:style>
+        <p:txBody>
+          <a:bodyPr rtlCol="0" anchor="ctr"/>
+          <a:lstStyle/>
+          <a:p>
+            <a:pPr algn="ctr"/>
+            <a:r>
+              <a:rPr lang="es-ES" dirty="0"/>
+              <a:t>Confirmar Entrega</a:t>
+            </a:r>
+            <a:endParaRPr lang="es-VE" dirty="0"/>
+          </a:p>
+        </p:txBody>
+      </p:sp>
+      <p:cxnSp>
+        <p:nvCxnSpPr>
+          <p:cNvPr id="28" name="Conector recto de flecha 27">
+            <a:extLst>
+              <a:ext uri="{FF2B5EF4-FFF2-40B4-BE49-F238E27FC236}">
+                <a16:creationId xmlns:a16="http://schemas.microsoft.com/office/drawing/2014/main" id="{2543A907-2314-4499-B3A4-67480050D977}"/>
+              </a:ext>
+            </a:extLst>
+          </p:cNvPr>
+          <p:cNvCxnSpPr>
+            <a:cxnSpLocks/>
+            <a:stCxn id="5" idx="6"/>
+            <a:endCxn id="57" idx="2"/>
+          </p:cNvCxnSpPr>
+          <p:nvPr/>
+        </p:nvCxnSpPr>
+        <p:spPr>
+          <a:xfrm>
+            <a:off x="4426226" y="3548831"/>
+            <a:ext cx="280225" cy="568140"/>
+          </a:xfrm>
+          <a:prstGeom prst="straightConnector1">
+            <a:avLst/>
+          </a:prstGeom>
+          <a:ln>
+            <a:tailEnd type="triangle"/>
+          </a:ln>
+        </p:spPr>
+        <p:style>
+          <a:lnRef idx="1">
+            <a:schemeClr val="dk1"/>
+          </a:lnRef>
+          <a:fillRef idx="0">
+            <a:schemeClr val="dk1"/>
+          </a:fillRef>
+          <a:effectRef idx="0">
+            <a:schemeClr val="dk1"/>
           </a:effectRef>
           <a:fontRef idx="minor">
             <a:schemeClr val="tx1"/>
@@ -9677,23 +10389,24 @@
       </p:cxnSp>
       <p:cxnSp>
         <p:nvCxnSpPr>
-          <p:cNvPr id="23" name="Conector recto de flecha 22">
-            <a:extLst>
-              <a:ext uri="{FF2B5EF4-FFF2-40B4-BE49-F238E27FC236}">
-                <a16:creationId xmlns:a16="http://schemas.microsoft.com/office/drawing/2014/main" id="{4439339A-92E0-4320-90D6-8A8AE5711B49}"/>
+          <p:cNvPr id="62" name="Conector recto de flecha 61">
+            <a:extLst>
+              <a:ext uri="{FF2B5EF4-FFF2-40B4-BE49-F238E27FC236}">
+                <a16:creationId xmlns:a16="http://schemas.microsoft.com/office/drawing/2014/main" id="{EDC1035F-7E88-4A7B-B2E0-EFEF2A3434FD}"/>
               </a:ext>
             </a:extLst>
           </p:cNvPr>
           <p:cNvCxnSpPr>
-            <a:stCxn id="30" idx="7"/>
+            <a:cxnSpLocks/>
+            <a:stCxn id="5" idx="6"/>
             <a:endCxn id="8" idx="2"/>
           </p:cNvCxnSpPr>
           <p:nvPr/>
         </p:nvCxnSpPr>
         <p:spPr>
           <a:xfrm flipV="1">
-            <a:off x="8583176" y="521117"/>
-            <a:ext cx="69874" cy="447625"/>
+            <a:off x="4426226" y="2739878"/>
+            <a:ext cx="1053076" cy="808953"/>
           </a:xfrm>
           <a:prstGeom prst="straightConnector1">
             <a:avLst/>
@@ -9704,13 +10417,104 @@
         </p:spPr>
         <p:style>
           <a:lnRef idx="1">
-            <a:schemeClr val="accent1"/>
+            <a:schemeClr val="dk1"/>
           </a:lnRef>
           <a:fillRef idx="0">
-            <a:schemeClr val="accent1"/>
+            <a:schemeClr val="dk1"/>
           </a:fillRef>
           <a:effectRef idx="0">
-            <a:schemeClr val="accent1"/>
+            <a:schemeClr val="dk1"/>
+          </a:effectRef>
+          <a:fontRef idx="minor">
+            <a:schemeClr val="tx1"/>
+          </a:fontRef>
+        </p:style>
+      </p:cxnSp>
+      <p:sp>
+        <p:nvSpPr>
+          <p:cNvPr id="73" name="Elipse 72">
+            <a:extLst>
+              <a:ext uri="{FF2B5EF4-FFF2-40B4-BE49-F238E27FC236}">
+                <a16:creationId xmlns:a16="http://schemas.microsoft.com/office/drawing/2014/main" id="{5FCE2EFF-373C-441F-B586-D0D499463C30}"/>
+              </a:ext>
+            </a:extLst>
+          </p:cNvPr>
+          <p:cNvSpPr/>
+          <p:nvPr/>
+        </p:nvSpPr>
+        <p:spPr>
+          <a:xfrm>
+            <a:off x="6976798" y="4653714"/>
+            <a:ext cx="1583641" cy="658247"/>
+          </a:xfrm>
+          <a:prstGeom prst="ellipse">
+            <a:avLst/>
+          </a:prstGeom>
+        </p:spPr>
+        <p:style>
+          <a:lnRef idx="2">
+            <a:schemeClr val="dk1"/>
+          </a:lnRef>
+          <a:fillRef idx="1">
+            <a:schemeClr val="lt1"/>
+          </a:fillRef>
+          <a:effectRef idx="0">
+            <a:schemeClr val="dk1"/>
+          </a:effectRef>
+          <a:fontRef idx="minor">
+            <a:schemeClr val="dk1"/>
+          </a:fontRef>
+        </p:style>
+        <p:txBody>
+          <a:bodyPr rtlCol="0" anchor="ctr"/>
+          <a:lstStyle/>
+          <a:p>
+            <a:pPr algn="ctr"/>
+            <a:r>
+              <a:rPr lang="es-ES" dirty="0"/>
+              <a:t>Registrar Pedido</a:t>
+            </a:r>
+            <a:endParaRPr lang="es-VE" dirty="0"/>
+          </a:p>
+        </p:txBody>
+      </p:sp>
+      <p:cxnSp>
+        <p:nvCxnSpPr>
+          <p:cNvPr id="71" name="Conector recto de flecha 70">
+            <a:extLst>
+              <a:ext uri="{FF2B5EF4-FFF2-40B4-BE49-F238E27FC236}">
+                <a16:creationId xmlns:a16="http://schemas.microsoft.com/office/drawing/2014/main" id="{27FDD2ED-AD7F-4C2B-BF07-7E5A6969E11C}"/>
+              </a:ext>
+            </a:extLst>
+          </p:cNvPr>
+          <p:cNvCxnSpPr>
+            <a:cxnSpLocks/>
+            <a:stCxn id="5" idx="5"/>
+            <a:endCxn id="73" idx="2"/>
+          </p:cNvCxnSpPr>
+          <p:nvPr/>
+        </p:nvCxnSpPr>
+        <p:spPr>
+          <a:xfrm flipV="1">
+            <a:off x="4060953" y="4982838"/>
+            <a:ext cx="2915845" cy="619429"/>
+          </a:xfrm>
+          <a:prstGeom prst="straightConnector1">
+            <a:avLst/>
+          </a:prstGeom>
+          <a:ln>
+            <a:tailEnd type="triangle"/>
+          </a:ln>
+        </p:spPr>
+        <p:style>
+          <a:lnRef idx="1">
+            <a:schemeClr val="dk1"/>
+          </a:lnRef>
+          <a:fillRef idx="0">
+            <a:schemeClr val="dk1"/>
+          </a:fillRef>
+          <a:effectRef idx="0">
+            <a:schemeClr val="dk1"/>
           </a:effectRef>
           <a:fontRef idx="minor">
             <a:schemeClr val="tx1"/>
@@ -9719,22 +10523,24 @@
       </p:cxnSp>
       <p:cxnSp>
         <p:nvCxnSpPr>
-          <p:cNvPr id="38" name="Conector recto de flecha 37">
-            <a:extLst>
-              <a:ext uri="{FF2B5EF4-FFF2-40B4-BE49-F238E27FC236}">
-                <a16:creationId xmlns:a16="http://schemas.microsoft.com/office/drawing/2014/main" id="{D686CBB8-FB22-49A2-8988-86DE308CCDE0}"/>
+          <p:cNvPr id="79" name="Conector recto de flecha 78">
+            <a:extLst>
+              <a:ext uri="{FF2B5EF4-FFF2-40B4-BE49-F238E27FC236}">
+                <a16:creationId xmlns:a16="http://schemas.microsoft.com/office/drawing/2014/main" id="{3B8146B7-1080-4788-820A-69429B64A7D6}"/>
               </a:ext>
             </a:extLst>
           </p:cNvPr>
           <p:cNvCxnSpPr>
-            <a:stCxn id="68" idx="4"/>
+            <a:cxnSpLocks/>
+            <a:stCxn id="73" idx="6"/>
+            <a:endCxn id="68" idx="4"/>
           </p:cNvCxnSpPr>
           <p:nvPr/>
         </p:nvCxnSpPr>
         <p:spPr>
-          <a:xfrm>
-            <a:off x="11443252" y="631268"/>
-            <a:ext cx="0" cy="1135725"/>
+          <a:xfrm flipV="1">
+            <a:off x="8560439" y="2898040"/>
+            <a:ext cx="1194533" cy="2084798"/>
           </a:xfrm>
           <a:prstGeom prst="straightConnector1">
             <a:avLst/>
@@ -9745,13 +10551,13 @@
         </p:spPr>
         <p:style>
           <a:lnRef idx="1">
-            <a:schemeClr val="accent1"/>
+            <a:schemeClr val="dk1"/>
           </a:lnRef>
           <a:fillRef idx="0">
-            <a:schemeClr val="accent1"/>
+            <a:schemeClr val="dk1"/>
           </a:fillRef>
           <a:effectRef idx="0">
-            <a:schemeClr val="accent1"/>
+            <a:schemeClr val="dk1"/>
           </a:effectRef>
           <a:fontRef idx="minor">
             <a:schemeClr val="tx1"/>
@@ -9760,10 +10566,10 @@
       </p:cxnSp>
       <p:sp>
         <p:nvSpPr>
-          <p:cNvPr id="39" name="Rectángulo 38">
-            <a:extLst>
-              <a:ext uri="{FF2B5EF4-FFF2-40B4-BE49-F238E27FC236}">
-                <a16:creationId xmlns:a16="http://schemas.microsoft.com/office/drawing/2014/main" id="{F1D9E055-8894-4CA9-AFA5-EE6E6D93DEA4}"/>
+          <p:cNvPr id="81" name="Elipse 80">
+            <a:extLst>
+              <a:ext uri="{FF2B5EF4-FFF2-40B4-BE49-F238E27FC236}">
+                <a16:creationId xmlns:a16="http://schemas.microsoft.com/office/drawing/2014/main" id="{F4B81B60-8DA6-49FC-BBC6-C5D6A62138AA}"/>
               </a:ext>
             </a:extLst>
           </p:cNvPr>
@@ -9772,58 +10578,8 @@
         </p:nvSpPr>
         <p:spPr>
           <a:xfrm>
-            <a:off x="10450721" y="1738978"/>
-            <a:ext cx="1497496" cy="1102399"/>
-          </a:xfrm>
-          <a:prstGeom prst="rect">
-            <a:avLst/>
-          </a:prstGeom>
-        </p:spPr>
-        <p:style>
-          <a:lnRef idx="2">
-            <a:schemeClr val="accent1">
-              <a:shade val="50000"/>
-            </a:schemeClr>
-          </a:lnRef>
-          <a:fillRef idx="1">
-            <a:schemeClr val="accent1"/>
-          </a:fillRef>
-          <a:effectRef idx="0">
-            <a:schemeClr val="accent1"/>
-          </a:effectRef>
-          <a:fontRef idx="minor">
-            <a:schemeClr val="lt1"/>
-          </a:fontRef>
-        </p:style>
-        <p:txBody>
-          <a:bodyPr rtlCol="0" anchor="ctr"/>
-          <a:lstStyle/>
-          <a:p>
-            <a:pPr algn="ctr"/>
-            <a:r>
-              <a:rPr lang="es-ES" dirty="0"/>
-              <a:t>Ordenes</a:t>
-            </a:r>
-            <a:endParaRPr lang="es-VE" dirty="0"/>
-          </a:p>
-        </p:txBody>
-      </p:sp>
-      <p:sp>
-        <p:nvSpPr>
-          <p:cNvPr id="57" name="Elipse 56">
-            <a:extLst>
-              <a:ext uri="{FF2B5EF4-FFF2-40B4-BE49-F238E27FC236}">
-                <a16:creationId xmlns:a16="http://schemas.microsoft.com/office/drawing/2014/main" id="{CDAFA28D-33C2-42DA-B005-1865368E3821}"/>
-              </a:ext>
-            </a:extLst>
-          </p:cNvPr>
-          <p:cNvSpPr/>
-          <p:nvPr/>
-        </p:nvSpPr>
-        <p:spPr>
-          <a:xfrm>
-            <a:off x="5121074" y="3157330"/>
-            <a:ext cx="1497496" cy="543339"/>
+            <a:off x="7220846" y="5751327"/>
+            <a:ext cx="2943571" cy="701501"/>
           </a:xfrm>
           <a:prstGeom prst="ellipse">
             <a:avLst/>
@@ -9850,54 +10606,56 @@
             <a:pPr algn="ctr"/>
             <a:r>
               <a:rPr lang="es-ES" dirty="0"/>
-              <a:t>Ver Ordenes</a:t>
+              <a:t>Confirmar/Cancelar Entrega</a:t>
             </a:r>
             <a:endParaRPr lang="es-VE" dirty="0"/>
           </a:p>
         </p:txBody>
       </p:sp>
-      <p:cxnSp>
-        <p:nvCxnSpPr>
-          <p:cNvPr id="51" name="Conector recto de flecha 50">
-            <a:extLst>
-              <a:ext uri="{FF2B5EF4-FFF2-40B4-BE49-F238E27FC236}">
-                <a16:creationId xmlns:a16="http://schemas.microsoft.com/office/drawing/2014/main" id="{883C756B-3F2E-4AB7-AE82-6AFDA0760F45}"/>
-              </a:ext>
-            </a:extLst>
-          </p:cNvPr>
-          <p:cNvCxnSpPr>
-            <a:stCxn id="5" idx="6"/>
-            <a:endCxn id="57" idx="2"/>
-          </p:cNvCxnSpPr>
-          <p:nvPr/>
-        </p:nvCxnSpPr>
-        <p:spPr>
-          <a:xfrm>
-            <a:off x="4426226" y="3262915"/>
-            <a:ext cx="694848" cy="166085"/>
-          </a:xfrm>
-          <a:prstGeom prst="straightConnector1">
-            <a:avLst/>
-          </a:prstGeom>
-          <a:ln>
-            <a:tailEnd type="triangle"/>
-          </a:ln>
-        </p:spPr>
-        <p:style>
-          <a:lnRef idx="1">
-            <a:schemeClr val="dk1"/>
-          </a:lnRef>
-          <a:fillRef idx="0">
-            <a:schemeClr val="dk1"/>
-          </a:fillRef>
-          <a:effectRef idx="0">
-            <a:schemeClr val="dk1"/>
-          </a:effectRef>
-          <a:fontRef idx="minor">
-            <a:schemeClr val="tx1"/>
-          </a:fontRef>
-        </p:style>
-      </p:cxnSp>
+      <p:sp>
+        <p:nvSpPr>
+          <p:cNvPr id="29" name="CuadroTexto 28">
+            <a:extLst>
+              <a:ext uri="{FF2B5EF4-FFF2-40B4-BE49-F238E27FC236}">
+                <a16:creationId xmlns:a16="http://schemas.microsoft.com/office/drawing/2014/main" id="{AEFB2BFD-D37C-477F-AF37-129784F6DE84}"/>
+              </a:ext>
+            </a:extLst>
+          </p:cNvPr>
+          <p:cNvSpPr txBox="1"/>
+          <p:nvPr/>
+        </p:nvSpPr>
+        <p:spPr>
+          <a:xfrm>
+            <a:off x="9147884" y="3920477"/>
+            <a:ext cx="1291892" cy="369332"/>
+          </a:xfrm>
+          <a:prstGeom prst="rect">
+            <a:avLst/>
+          </a:prstGeom>
+          <a:noFill/>
+        </p:spPr>
+        <p:txBody>
+          <a:bodyPr wrap="none" rtlCol="0">
+            <a:spAutoFit/>
+          </a:bodyPr>
+          <a:lstStyle/>
+          <a:p>
+            <a:r>
+              <a:rPr lang="es-ES" dirty="0"/>
+              <a:t>&lt;&lt;</a:t>
+            </a:r>
+            <a:r>
+              <a:rPr lang="es-ES" dirty="0" err="1"/>
+              <a:t>extend</a:t>
+            </a:r>
+            <a:r>
+              <a:rPr lang="es-ES" dirty="0"/>
+              <a:t>&gt;&gt;</a:t>
+            </a:r>
+            <a:endParaRPr lang="es-VE" dirty="0"/>
+          </a:p>
+        </p:txBody>
+      </p:sp>
     </p:spTree>
     <p:extLst>
       <p:ext uri="{BB962C8B-B14F-4D97-AF65-F5344CB8AC3E}">
